--- a/Texte/GPS.pptx
+++ b/Texte/GPS.pptx
@@ -6,6 +6,7 @@
   </p:sldMasterIdLst>
   <p:sldIdLst>
     <p:sldId id="256" r:id="rId2"/>
+    <p:sldId id="257" r:id="rId3"/>
   </p:sldIdLst>
   <p:sldSz cx="12192000" cy="6858000"/>
   <p:notesSz cx="6858000" cy="9144000"/>
@@ -104,6 +105,11 @@
       </a:defRPr>
     </a:lvl9pPr>
   </p:defaultTextStyle>
+  <p:extLst>
+    <p:ext uri="{EFAFB233-063F-42B5-8137-9DF3F51BA10A}">
+      <p15:sldGuideLst xmlns:p15="http://schemas.microsoft.com/office/powerpoint/2012/main"/>
+    </p:ext>
+  </p:extLst>
 </p:presentation>
 </file>
 
@@ -254,7 +260,7 @@
           <a:p>
             <a:fld id="{0CFD6905-8642-D147-B9E1-0B96FE24F1DC}" type="datetimeFigureOut">
               <a:rPr lang="de-DE" smtClean="0"/>
-              <a:t>24.09.19</a:t>
+              <a:t>27.09.19</a:t>
             </a:fld>
             <a:endParaRPr lang="de-DE"/>
           </a:p>
@@ -452,7 +458,7 @@
           <a:p>
             <a:fld id="{0CFD6905-8642-D147-B9E1-0B96FE24F1DC}" type="datetimeFigureOut">
               <a:rPr lang="de-DE" smtClean="0"/>
-              <a:t>24.09.19</a:t>
+              <a:t>27.09.19</a:t>
             </a:fld>
             <a:endParaRPr lang="de-DE"/>
           </a:p>
@@ -660,7 +666,7 @@
           <a:p>
             <a:fld id="{0CFD6905-8642-D147-B9E1-0B96FE24F1DC}" type="datetimeFigureOut">
               <a:rPr lang="de-DE" smtClean="0"/>
-              <a:t>24.09.19</a:t>
+              <a:t>27.09.19</a:t>
             </a:fld>
             <a:endParaRPr lang="de-DE"/>
           </a:p>
@@ -858,7 +864,7 @@
           <a:p>
             <a:fld id="{0CFD6905-8642-D147-B9E1-0B96FE24F1DC}" type="datetimeFigureOut">
               <a:rPr lang="de-DE" smtClean="0"/>
-              <a:t>24.09.19</a:t>
+              <a:t>27.09.19</a:t>
             </a:fld>
             <a:endParaRPr lang="de-DE"/>
           </a:p>
@@ -1133,7 +1139,7 @@
           <a:p>
             <a:fld id="{0CFD6905-8642-D147-B9E1-0B96FE24F1DC}" type="datetimeFigureOut">
               <a:rPr lang="de-DE" smtClean="0"/>
-              <a:t>24.09.19</a:t>
+              <a:t>27.09.19</a:t>
             </a:fld>
             <a:endParaRPr lang="de-DE"/>
           </a:p>
@@ -1398,7 +1404,7 @@
           <a:p>
             <a:fld id="{0CFD6905-8642-D147-B9E1-0B96FE24F1DC}" type="datetimeFigureOut">
               <a:rPr lang="de-DE" smtClean="0"/>
-              <a:t>24.09.19</a:t>
+              <a:t>27.09.19</a:t>
             </a:fld>
             <a:endParaRPr lang="de-DE"/>
           </a:p>
@@ -1810,7 +1816,7 @@
           <a:p>
             <a:fld id="{0CFD6905-8642-D147-B9E1-0B96FE24F1DC}" type="datetimeFigureOut">
               <a:rPr lang="de-DE" smtClean="0"/>
-              <a:t>24.09.19</a:t>
+              <a:t>27.09.19</a:t>
             </a:fld>
             <a:endParaRPr lang="de-DE"/>
           </a:p>
@@ -1951,7 +1957,7 @@
           <a:p>
             <a:fld id="{0CFD6905-8642-D147-B9E1-0B96FE24F1DC}" type="datetimeFigureOut">
               <a:rPr lang="de-DE" smtClean="0"/>
-              <a:t>24.09.19</a:t>
+              <a:t>27.09.19</a:t>
             </a:fld>
             <a:endParaRPr lang="de-DE"/>
           </a:p>
@@ -2064,7 +2070,7 @@
           <a:p>
             <a:fld id="{0CFD6905-8642-D147-B9E1-0B96FE24F1DC}" type="datetimeFigureOut">
               <a:rPr lang="de-DE" smtClean="0"/>
-              <a:t>24.09.19</a:t>
+              <a:t>27.09.19</a:t>
             </a:fld>
             <a:endParaRPr lang="de-DE"/>
           </a:p>
@@ -2375,7 +2381,7 @@
           <a:p>
             <a:fld id="{0CFD6905-8642-D147-B9E1-0B96FE24F1DC}" type="datetimeFigureOut">
               <a:rPr lang="de-DE" smtClean="0"/>
-              <a:t>24.09.19</a:t>
+              <a:t>27.09.19</a:t>
             </a:fld>
             <a:endParaRPr lang="de-DE"/>
           </a:p>
@@ -2663,7 +2669,7 @@
           <a:p>
             <a:fld id="{0CFD6905-8642-D147-B9E1-0B96FE24F1DC}" type="datetimeFigureOut">
               <a:rPr lang="de-DE" smtClean="0"/>
-              <a:t>24.09.19</a:t>
+              <a:t>27.09.19</a:t>
             </a:fld>
             <a:endParaRPr lang="de-DE"/>
           </a:p>
@@ -2904,7 +2910,7 @@
           <a:p>
             <a:fld id="{0CFD6905-8642-D147-B9E1-0B96FE24F1DC}" type="datetimeFigureOut">
               <a:rPr lang="de-DE" smtClean="0"/>
-              <a:t>24.09.19</a:t>
+              <a:t>27.09.19</a:t>
             </a:fld>
             <a:endParaRPr lang="de-DE"/>
           </a:p>
@@ -3666,6 +3672,646 @@
 </p:sld>
 </file>
 
+<file path=ppt/slides/slide2.xml><?xml version="1.0" encoding="utf-8"?>
+<p:sld xmlns:a="http://schemas.openxmlformats.org/drawingml/2006/main" xmlns:r="http://schemas.openxmlformats.org/officeDocument/2006/relationships" xmlns:p="http://schemas.openxmlformats.org/presentationml/2006/main">
+  <p:cSld>
+    <p:spTree>
+      <p:nvGrpSpPr>
+        <p:cNvPr id="1" name=""/>
+        <p:cNvGrpSpPr/>
+        <p:nvPr/>
+      </p:nvGrpSpPr>
+      <p:grpSpPr>
+        <a:xfrm>
+          <a:off x="0" y="0"/>
+          <a:ext cx="0" cy="0"/>
+          <a:chOff x="0" y="0"/>
+          <a:chExt cx="0" cy="0"/>
+        </a:xfrm>
+      </p:grpSpPr>
+      <mc:AlternateContent xmlns:mc="http://schemas.openxmlformats.org/markup-compatibility/2006">
+        <mc:Choice xmlns:a14="http://schemas.microsoft.com/office/drawing/2010/main" Requires="a14">
+          <p:sp>
+            <p:nvSpPr>
+              <p:cNvPr id="3" name="Abgerundetes Rechteck 2">
+                <a:extLst>
+                  <a:ext uri="{FF2B5EF4-FFF2-40B4-BE49-F238E27FC236}">
+                    <a16:creationId xmlns:a16="http://schemas.microsoft.com/office/drawing/2014/main" id="{B5677D53-611B-7548-91CD-2835B1359066}"/>
+                  </a:ext>
+                </a:extLst>
+              </p:cNvPr>
+              <p:cNvSpPr/>
+              <p:nvPr/>
+            </p:nvSpPr>
+            <p:spPr>
+              <a:xfrm>
+                <a:off x="1752600" y="2164081"/>
+                <a:ext cx="8686800" cy="1905000"/>
+              </a:xfrm>
+              <a:prstGeom prst="roundRect">
+                <a:avLst/>
+              </a:prstGeom>
+              <a:noFill/>
+              <a:ln w="38100">
+                <a:solidFill>
+                  <a:schemeClr val="accent1"/>
+                </a:solidFill>
+              </a:ln>
+            </p:spPr>
+            <p:style>
+              <a:lnRef idx="2">
+                <a:schemeClr val="accent4">
+                  <a:shade val="50000"/>
+                </a:schemeClr>
+              </a:lnRef>
+              <a:fillRef idx="1">
+                <a:schemeClr val="accent4"/>
+              </a:fillRef>
+              <a:effectRef idx="0">
+                <a:schemeClr val="accent4"/>
+              </a:effectRef>
+              <a:fontRef idx="minor">
+                <a:schemeClr val="lt1"/>
+              </a:fontRef>
+            </p:style>
+            <p:txBody>
+              <a:bodyPr lIns="216000" tIns="36000" rIns="0" bIns="36000" rtlCol="0" anchor="t" anchorCtr="0">
+                <a:noAutofit/>
+              </a:bodyPr>
+              <a:lstStyle/>
+              <a:p>
+                <a:pPr/>
+                <a14:m>
+                  <m:oMathPara xmlns:m="http://schemas.openxmlformats.org/officeDocument/2006/math">
+                    <m:oMathParaPr>
+                      <m:jc m:val="left"/>
+                    </m:oMathParaPr>
+                    <m:oMath xmlns:m="http://schemas.openxmlformats.org/officeDocument/2006/math">
+                      <m:sSup>
+                        <m:sSupPr>
+                          <m:ctrlPr>
+                            <a:rPr lang="de-CH" b="0" i="1" smtClean="0">
+                              <a:solidFill>
+                                <a:schemeClr val="tx1"/>
+                              </a:solidFill>
+                              <a:latin typeface="Cambria Math" panose="02040503050406030204" pitchFamily="18" charset="0"/>
+                            </a:rPr>
+                          </m:ctrlPr>
+                        </m:sSupPr>
+                        <m:e>
+                          <m:r>
+                            <a:rPr lang="de-CH" b="0" i="1" smtClean="0">
+                              <a:solidFill>
+                                <a:schemeClr val="tx1"/>
+                              </a:solidFill>
+                              <a:latin typeface="Cambria Math" panose="02040503050406030204" pitchFamily="18" charset="0"/>
+                            </a:rPr>
+                            <m:t>𝑧</m:t>
+                          </m:r>
+                        </m:e>
+                        <m:sup>
+                          <m:r>
+                            <a:rPr lang="de-CH" b="0" i="1" smtClean="0">
+                              <a:solidFill>
+                                <a:schemeClr val="tx1"/>
+                              </a:solidFill>
+                              <a:latin typeface="Cambria Math" panose="02040503050406030204" pitchFamily="18" charset="0"/>
+                            </a:rPr>
+                            <m:t>2</m:t>
+                          </m:r>
+                        </m:sup>
+                      </m:sSup>
+                      <m:r>
+                        <a:rPr lang="de-CH" b="0" i="1" smtClean="0">
+                          <a:solidFill>
+                            <a:schemeClr val="tx1"/>
+                          </a:solidFill>
+                          <a:latin typeface="Cambria Math" panose="02040503050406030204" pitchFamily="18" charset="0"/>
+                        </a:rPr>
+                        <m:t>=</m:t>
+                      </m:r>
+                      <m:sSup>
+                        <m:sSupPr>
+                          <m:ctrlPr>
+                            <a:rPr lang="de-CH" b="0" i="1" smtClean="0">
+                              <a:solidFill>
+                                <a:schemeClr val="tx1"/>
+                              </a:solidFill>
+                              <a:latin typeface="Cambria Math" panose="02040503050406030204" pitchFamily="18" charset="0"/>
+                            </a:rPr>
+                          </m:ctrlPr>
+                        </m:sSupPr>
+                        <m:e>
+                          <m:r>
+                            <a:rPr lang="de-CH" b="0" i="1" smtClean="0">
+                              <a:solidFill>
+                                <a:schemeClr val="tx1"/>
+                              </a:solidFill>
+                              <a:latin typeface="Cambria Math" panose="02040503050406030204" pitchFamily="18" charset="0"/>
+                            </a:rPr>
+                            <m:t>(</m:t>
+                          </m:r>
+                          <m:r>
+                            <a:rPr lang="de-CH" b="0" i="1" smtClean="0">
+                              <a:solidFill>
+                                <a:schemeClr val="tx1"/>
+                              </a:solidFill>
+                              <a:latin typeface="Cambria Math" panose="02040503050406030204" pitchFamily="18" charset="0"/>
+                            </a:rPr>
+                            <m:t>𝑙𝑜𝑛</m:t>
+                          </m:r>
+                          <m:r>
+                            <a:rPr lang="de-CH" b="0" i="1" smtClean="0">
+                              <a:solidFill>
+                                <a:schemeClr val="tx1"/>
+                              </a:solidFill>
+                              <a:latin typeface="Cambria Math" panose="02040503050406030204" pitchFamily="18" charset="0"/>
+                            </a:rPr>
+                            <m:t>_</m:t>
+                          </m:r>
+                          <m:sSub>
+                            <m:sSubPr>
+                              <m:ctrlPr>
+                                <a:rPr lang="de-CH" b="0" i="1" smtClean="0">
+                                  <a:solidFill>
+                                    <a:schemeClr val="tx1"/>
+                                  </a:solidFill>
+                                  <a:latin typeface="Cambria Math" panose="02040503050406030204" pitchFamily="18" charset="0"/>
+                                </a:rPr>
+                              </m:ctrlPr>
+                            </m:sSubPr>
+                            <m:e>
+                              <m:r>
+                                <a:rPr lang="de-CH" i="1">
+                                  <a:solidFill>
+                                    <a:schemeClr val="tx1"/>
+                                  </a:solidFill>
+                                  <a:latin typeface="Cambria Math" panose="02040503050406030204" pitchFamily="18" charset="0"/>
+                                </a:rPr>
+                                <m:t>𝑃𝑜𝑠𝑖𝑡𝑖𝑜𝑛</m:t>
+                              </m:r>
+                            </m:e>
+                            <m:sub>
+                              <m:r>
+                                <a:rPr lang="de-CH" b="0" i="1" smtClean="0">
+                                  <a:solidFill>
+                                    <a:schemeClr val="tx1"/>
+                                  </a:solidFill>
+                                  <a:latin typeface="Cambria Math" panose="02040503050406030204" pitchFamily="18" charset="0"/>
+                                </a:rPr>
+                                <m:t>𝑡</m:t>
+                              </m:r>
+                              <m:r>
+                                <a:rPr lang="de-CH" b="0" i="1" smtClean="0">
+                                  <a:solidFill>
+                                    <a:schemeClr val="tx1"/>
+                                  </a:solidFill>
+                                  <a:latin typeface="Cambria Math" panose="02040503050406030204" pitchFamily="18" charset="0"/>
+                                </a:rPr>
+                                <m:t>−1</m:t>
+                              </m:r>
+                            </m:sub>
+                          </m:sSub>
+                          <m:r>
+                            <a:rPr lang="de-CH" b="0" i="1" smtClean="0">
+                              <a:solidFill>
+                                <a:schemeClr val="tx1"/>
+                              </a:solidFill>
+                              <a:latin typeface="Cambria Math" panose="02040503050406030204" pitchFamily="18" charset="0"/>
+                            </a:rPr>
+                            <m:t>−</m:t>
+                          </m:r>
+                          <m:sSub>
+                            <m:sSubPr>
+                              <m:ctrlPr>
+                                <a:rPr lang="de-CH" i="1">
+                                  <a:solidFill>
+                                    <a:schemeClr val="tx1"/>
+                                  </a:solidFill>
+                                  <a:latin typeface="Cambria Math" panose="02040503050406030204" pitchFamily="18" charset="0"/>
+                                </a:rPr>
+                              </m:ctrlPr>
+                            </m:sSubPr>
+                            <m:e>
+                              <m:r>
+                                <a:rPr lang="de-CH" b="0" i="1" smtClean="0">
+                                  <a:solidFill>
+                                    <a:schemeClr val="tx1"/>
+                                  </a:solidFill>
+                                  <a:latin typeface="Cambria Math" panose="02040503050406030204" pitchFamily="18" charset="0"/>
+                                </a:rPr>
+                                <m:t>𝑙𝑜𝑛</m:t>
+                              </m:r>
+                              <m:r>
+                                <a:rPr lang="de-CH" b="0" i="1" smtClean="0">
+                                  <a:solidFill>
+                                    <a:schemeClr val="tx1"/>
+                                  </a:solidFill>
+                                  <a:latin typeface="Cambria Math" panose="02040503050406030204" pitchFamily="18" charset="0"/>
+                                </a:rPr>
+                                <m:t>_</m:t>
+                              </m:r>
+                              <m:r>
+                                <a:rPr lang="de-CH" i="1">
+                                  <a:solidFill>
+                                    <a:schemeClr val="tx1"/>
+                                  </a:solidFill>
+                                  <a:latin typeface="Cambria Math" panose="02040503050406030204" pitchFamily="18" charset="0"/>
+                                </a:rPr>
+                                <m:t>𝑃𝑜𝑠𝑖𝑡𝑖𝑜𝑛</m:t>
+                              </m:r>
+                            </m:e>
+                            <m:sub>
+                              <m:r>
+                                <a:rPr lang="de-CH" i="1">
+                                  <a:solidFill>
+                                    <a:schemeClr val="tx1"/>
+                                  </a:solidFill>
+                                  <a:latin typeface="Cambria Math" panose="02040503050406030204" pitchFamily="18" charset="0"/>
+                                </a:rPr>
+                                <m:t>𝑡</m:t>
+                              </m:r>
+                            </m:sub>
+                          </m:sSub>
+                          <m:r>
+                            <a:rPr lang="de-CH" b="0" i="1" smtClean="0">
+                              <a:solidFill>
+                                <a:schemeClr val="tx1"/>
+                              </a:solidFill>
+                              <a:latin typeface="Cambria Math" panose="02040503050406030204" pitchFamily="18" charset="0"/>
+                            </a:rPr>
+                            <m:t>)</m:t>
+                          </m:r>
+                        </m:e>
+                        <m:sup>
+                          <m:r>
+                            <a:rPr lang="de-CH" b="0" i="1" smtClean="0">
+                              <a:solidFill>
+                                <a:schemeClr val="tx1"/>
+                              </a:solidFill>
+                              <a:latin typeface="Cambria Math" panose="02040503050406030204" pitchFamily="18" charset="0"/>
+                            </a:rPr>
+                            <m:t>2</m:t>
+                          </m:r>
+                        </m:sup>
+                      </m:sSup>
+                      <m:r>
+                        <a:rPr lang="de-CH" b="0" i="1" smtClean="0">
+                          <a:solidFill>
+                            <a:schemeClr val="tx1"/>
+                          </a:solidFill>
+                          <a:latin typeface="Cambria Math" panose="02040503050406030204" pitchFamily="18" charset="0"/>
+                        </a:rPr>
+                        <m:t>+</m:t>
+                      </m:r>
+                      <m:sSup>
+                        <m:sSupPr>
+                          <m:ctrlPr>
+                            <a:rPr lang="de-CH" i="1">
+                              <a:solidFill>
+                                <a:schemeClr val="tx1"/>
+                              </a:solidFill>
+                              <a:latin typeface="Cambria Math" panose="02040503050406030204" pitchFamily="18" charset="0"/>
+                            </a:rPr>
+                          </m:ctrlPr>
+                        </m:sSupPr>
+                        <m:e>
+                          <m:r>
+                            <a:rPr lang="de-CH" i="1">
+                              <a:solidFill>
+                                <a:schemeClr val="tx1"/>
+                              </a:solidFill>
+                              <a:latin typeface="Cambria Math" panose="02040503050406030204" pitchFamily="18" charset="0"/>
+                            </a:rPr>
+                            <m:t>(</m:t>
+                          </m:r>
+                          <m:r>
+                            <a:rPr lang="de-CH" i="1">
+                              <a:solidFill>
+                                <a:schemeClr val="tx1"/>
+                              </a:solidFill>
+                              <a:latin typeface="Cambria Math" panose="02040503050406030204" pitchFamily="18" charset="0"/>
+                            </a:rPr>
+                            <m:t>𝑙𝑎</m:t>
+                          </m:r>
+                          <m:r>
+                            <a:rPr lang="de-CH" b="0" i="1" smtClean="0">
+                              <a:solidFill>
+                                <a:schemeClr val="tx1"/>
+                              </a:solidFill>
+                              <a:latin typeface="Cambria Math" panose="02040503050406030204" pitchFamily="18" charset="0"/>
+                            </a:rPr>
+                            <m:t>𝑡</m:t>
+                          </m:r>
+                          <m:r>
+                            <a:rPr lang="de-CH" i="1">
+                              <a:solidFill>
+                                <a:schemeClr val="tx1"/>
+                              </a:solidFill>
+                              <a:latin typeface="Cambria Math" panose="02040503050406030204" pitchFamily="18" charset="0"/>
+                            </a:rPr>
+                            <m:t>_</m:t>
+                          </m:r>
+                          <m:sSub>
+                            <m:sSubPr>
+                              <m:ctrlPr>
+                                <a:rPr lang="de-CH" i="1">
+                                  <a:solidFill>
+                                    <a:schemeClr val="tx1"/>
+                                  </a:solidFill>
+                                  <a:latin typeface="Cambria Math" panose="02040503050406030204" pitchFamily="18" charset="0"/>
+                                </a:rPr>
+                              </m:ctrlPr>
+                            </m:sSubPr>
+                            <m:e>
+                              <m:r>
+                                <a:rPr lang="de-CH" i="1">
+                                  <a:solidFill>
+                                    <a:schemeClr val="tx1"/>
+                                  </a:solidFill>
+                                  <a:latin typeface="Cambria Math" panose="02040503050406030204" pitchFamily="18" charset="0"/>
+                                </a:rPr>
+                                <m:t>𝑃𝑜𝑠𝑖𝑡𝑖𝑜𝑛</m:t>
+                              </m:r>
+                            </m:e>
+                            <m:sub>
+                              <m:r>
+                                <a:rPr lang="de-CH" i="1">
+                                  <a:solidFill>
+                                    <a:schemeClr val="tx1"/>
+                                  </a:solidFill>
+                                  <a:latin typeface="Cambria Math" panose="02040503050406030204" pitchFamily="18" charset="0"/>
+                                </a:rPr>
+                                <m:t>𝑡</m:t>
+                              </m:r>
+                              <m:r>
+                                <a:rPr lang="de-CH" i="1">
+                                  <a:solidFill>
+                                    <a:schemeClr val="tx1"/>
+                                  </a:solidFill>
+                                  <a:latin typeface="Cambria Math" panose="02040503050406030204" pitchFamily="18" charset="0"/>
+                                </a:rPr>
+                                <m:t>−1</m:t>
+                              </m:r>
+                            </m:sub>
+                          </m:sSub>
+                          <m:r>
+                            <a:rPr lang="de-CH" i="1">
+                              <a:solidFill>
+                                <a:schemeClr val="tx1"/>
+                              </a:solidFill>
+                              <a:latin typeface="Cambria Math" panose="02040503050406030204" pitchFamily="18" charset="0"/>
+                            </a:rPr>
+                            <m:t>−</m:t>
+                          </m:r>
+                          <m:sSub>
+                            <m:sSubPr>
+                              <m:ctrlPr>
+                                <a:rPr lang="de-CH" i="1">
+                                  <a:solidFill>
+                                    <a:schemeClr val="tx1"/>
+                                  </a:solidFill>
+                                  <a:latin typeface="Cambria Math" panose="02040503050406030204" pitchFamily="18" charset="0"/>
+                                </a:rPr>
+                              </m:ctrlPr>
+                            </m:sSubPr>
+                            <m:e>
+                              <m:r>
+                                <a:rPr lang="de-CH" i="1">
+                                  <a:solidFill>
+                                    <a:schemeClr val="tx1"/>
+                                  </a:solidFill>
+                                  <a:latin typeface="Cambria Math" panose="02040503050406030204" pitchFamily="18" charset="0"/>
+                                </a:rPr>
+                                <m:t>𝑙</m:t>
+                              </m:r>
+                              <m:r>
+                                <a:rPr lang="de-CH" b="0" i="1" smtClean="0">
+                                  <a:solidFill>
+                                    <a:schemeClr val="tx1"/>
+                                  </a:solidFill>
+                                  <a:latin typeface="Cambria Math" panose="02040503050406030204" pitchFamily="18" charset="0"/>
+                                </a:rPr>
+                                <m:t>𝑎𝑡</m:t>
+                              </m:r>
+                              <m:r>
+                                <a:rPr lang="de-CH" i="1">
+                                  <a:solidFill>
+                                    <a:schemeClr val="tx1"/>
+                                  </a:solidFill>
+                                  <a:latin typeface="Cambria Math" panose="02040503050406030204" pitchFamily="18" charset="0"/>
+                                </a:rPr>
+                                <m:t>_</m:t>
+                              </m:r>
+                              <m:r>
+                                <a:rPr lang="de-CH" i="1">
+                                  <a:solidFill>
+                                    <a:schemeClr val="tx1"/>
+                                  </a:solidFill>
+                                  <a:latin typeface="Cambria Math" panose="02040503050406030204" pitchFamily="18" charset="0"/>
+                                </a:rPr>
+                                <m:t>𝑃𝑜𝑠𝑖𝑡𝑖𝑜𝑛</m:t>
+                              </m:r>
+                            </m:e>
+                            <m:sub>
+                              <m:r>
+                                <a:rPr lang="de-CH" i="1">
+                                  <a:solidFill>
+                                    <a:schemeClr val="tx1"/>
+                                  </a:solidFill>
+                                  <a:latin typeface="Cambria Math" panose="02040503050406030204" pitchFamily="18" charset="0"/>
+                                </a:rPr>
+                                <m:t>𝑡</m:t>
+                              </m:r>
+                            </m:sub>
+                          </m:sSub>
+                          <m:r>
+                            <a:rPr lang="de-CH" i="1">
+                              <a:solidFill>
+                                <a:schemeClr val="tx1"/>
+                              </a:solidFill>
+                              <a:latin typeface="Cambria Math" panose="02040503050406030204" pitchFamily="18" charset="0"/>
+                            </a:rPr>
+                            <m:t>)</m:t>
+                          </m:r>
+                        </m:e>
+                        <m:sup>
+                          <m:r>
+                            <a:rPr lang="de-CH" i="1">
+                              <a:solidFill>
+                                <a:schemeClr val="tx1"/>
+                              </a:solidFill>
+                              <a:latin typeface="Cambria Math" panose="02040503050406030204" pitchFamily="18" charset="0"/>
+                            </a:rPr>
+                            <m:t>2</m:t>
+                          </m:r>
+                        </m:sup>
+                      </m:sSup>
+                    </m:oMath>
+                  </m:oMathPara>
+                </a14:m>
+                <a:endParaRPr lang="de-DE" dirty="0">
+                  <a:solidFill>
+                    <a:schemeClr val="tx1"/>
+                  </a:solidFill>
+                </a:endParaRPr>
+              </a:p>
+              <a:p>
+                <a:pPr algn="ctr"/>
+                <a:endParaRPr lang="de-DE" dirty="0">
+                  <a:solidFill>
+                    <a:schemeClr val="tx1"/>
+                  </a:solidFill>
+                  <a:latin typeface="Times" pitchFamily="2" charset="0"/>
+                </a:endParaRPr>
+              </a:p>
+              <a:p>
+                <a:pPr algn="ctr"/>
+                <a:r>
+                  <a:rPr lang="de-DE" b="1">
+                    <a:solidFill>
+                      <a:schemeClr val="tx1"/>
+                    </a:solidFill>
+                    <a:latin typeface="Times" pitchFamily="2" charset="0"/>
+                  </a:rPr>
+                  <a:t>Falls </a:t>
+                </a:r>
+                <a:r>
+                  <a:rPr lang="de-DE" b="1" dirty="0">
+                    <a:solidFill>
+                      <a:schemeClr val="tx1"/>
+                    </a:solidFill>
+                    <a:latin typeface="Times" pitchFamily="2" charset="0"/>
+                  </a:rPr>
+                  <a:t>z</a:t>
+                </a:r>
+                <a:r>
+                  <a:rPr lang="de-DE" b="1" baseline="30000" dirty="0">
+                    <a:solidFill>
+                      <a:schemeClr val="tx1"/>
+                    </a:solidFill>
+                    <a:latin typeface="Times" pitchFamily="2" charset="0"/>
+                  </a:rPr>
+                  <a:t>2</a:t>
+                </a:r>
+                <a:r>
+                  <a:rPr lang="de-DE" b="1" dirty="0">
+                    <a:solidFill>
+                      <a:schemeClr val="tx1"/>
+                    </a:solidFill>
+                    <a:latin typeface="Times" pitchFamily="2" charset="0"/>
+                  </a:rPr>
+                  <a:t> &lt; Grenzwert:</a:t>
+                </a:r>
+              </a:p>
+              <a:p>
+                <a:pPr marL="285750" indent="-285750" algn="ctr">
+                  <a:buFont typeface="Arial" panose="020B0604020202020204" pitchFamily="34" charset="0"/>
+                  <a:buChar char="•"/>
+                </a:pPr>
+                <a:r>
+                  <a:rPr lang="de-DE" dirty="0">
+                    <a:solidFill>
+                      <a:schemeClr val="tx1"/>
+                    </a:solidFill>
+                    <a:latin typeface="Times" pitchFamily="2" charset="0"/>
+                  </a:rPr>
+                  <a:t>Verwende GPS-Messung;</a:t>
+                </a:r>
+              </a:p>
+              <a:p>
+                <a:pPr algn="ctr"/>
+                <a:r>
+                  <a:rPr lang="de-DE" b="1" dirty="0">
+                    <a:solidFill>
+                      <a:schemeClr val="tx1"/>
+                    </a:solidFill>
+                    <a:latin typeface="Times" pitchFamily="2" charset="0"/>
+                  </a:rPr>
+                  <a:t>Sonst:</a:t>
+                </a:r>
+              </a:p>
+              <a:p>
+                <a:pPr marL="285750" indent="-285750" algn="ctr">
+                  <a:buFont typeface="Arial" panose="020B0604020202020204" pitchFamily="34" charset="0"/>
+                  <a:buChar char="•"/>
+                </a:pPr>
+                <a:r>
+                  <a:rPr lang="de-DE" dirty="0">
+                    <a:solidFill>
+                      <a:schemeClr val="tx1"/>
+                    </a:solidFill>
+                    <a:latin typeface="Times" pitchFamily="2" charset="0"/>
+                  </a:rPr>
+                  <a:t>Verwende IMU-Sensor;</a:t>
+                </a:r>
+              </a:p>
+            </p:txBody>
+          </p:sp>
+        </mc:Choice>
+        <mc:Fallback>
+          <p:sp>
+            <p:nvSpPr>
+              <p:cNvPr id="3" name="Abgerundetes Rechteck 2">
+                <a:extLst>
+                  <a:ext uri="{FF2B5EF4-FFF2-40B4-BE49-F238E27FC236}">
+                    <a16:creationId xmlns:a16="http://schemas.microsoft.com/office/drawing/2014/main" id="{B5677D53-611B-7548-91CD-2835B1359066}"/>
+                  </a:ext>
+                </a:extLst>
+              </p:cNvPr>
+              <p:cNvSpPr>
+                <a:spLocks noRot="1" noChangeAspect="1" noMove="1" noResize="1" noEditPoints="1" noAdjustHandles="1" noChangeArrowheads="1" noChangeShapeType="1" noTextEdit="1"/>
+              </p:cNvSpPr>
+              <p:nvPr/>
+            </p:nvSpPr>
+            <p:spPr>
+              <a:xfrm>
+                <a:off x="1752600" y="2164081"/>
+                <a:ext cx="8686800" cy="1905000"/>
+              </a:xfrm>
+              <a:prstGeom prst="roundRect">
+                <a:avLst/>
+              </a:prstGeom>
+              <a:blipFill>
+                <a:blip r:embed="rId2"/>
+                <a:stretch>
+                  <a:fillRect/>
+                </a:stretch>
+              </a:blipFill>
+              <a:ln w="38100">
+                <a:solidFill>
+                  <a:schemeClr val="accent1"/>
+                </a:solidFill>
+              </a:ln>
+            </p:spPr>
+            <p:txBody>
+              <a:bodyPr/>
+              <a:lstStyle/>
+              <a:p>
+                <a:r>
+                  <a:rPr lang="de-DE">
+                    <a:noFill/>
+                  </a:rPr>
+                  <a:t> </a:t>
+                </a:r>
+              </a:p>
+            </p:txBody>
+          </p:sp>
+        </mc:Fallback>
+      </mc:AlternateContent>
+    </p:spTree>
+    <p:extLst>
+      <p:ext uri="{BB962C8B-B14F-4D97-AF65-F5344CB8AC3E}">
+        <p14:creationId xmlns:p14="http://schemas.microsoft.com/office/powerpoint/2010/main" val="2025127324"/>
+      </p:ext>
+    </p:extLst>
+  </p:cSld>
+  <p:clrMapOvr>
+    <a:masterClrMapping/>
+  </p:clrMapOvr>
+</p:sld>
+</file>
+
 <file path=ppt/theme/theme1.xml><?xml version="1.0" encoding="utf-8"?>
 <a:theme xmlns:a="http://schemas.openxmlformats.org/drawingml/2006/main" name="Office">
   <a:themeElements>

--- a/Texte/GPS.pptx
+++ b/Texte/GPS.pptx
@@ -7,6 +7,7 @@
   <p:sldIdLst>
     <p:sldId id="256" r:id="rId2"/>
     <p:sldId id="257" r:id="rId3"/>
+    <p:sldId id="258" r:id="rId4"/>
   </p:sldIdLst>
   <p:sldSz cx="12192000" cy="6858000"/>
   <p:notesSz cx="6858000" cy="9144000"/>
@@ -260,7 +261,7 @@
           <a:p>
             <a:fld id="{0CFD6905-8642-D147-B9E1-0B96FE24F1DC}" type="datetimeFigureOut">
               <a:rPr lang="de-DE" smtClean="0"/>
-              <a:t>27.09.19</a:t>
+              <a:t>30.09.19</a:t>
             </a:fld>
             <a:endParaRPr lang="de-DE"/>
           </a:p>
@@ -458,7 +459,7 @@
           <a:p>
             <a:fld id="{0CFD6905-8642-D147-B9E1-0B96FE24F1DC}" type="datetimeFigureOut">
               <a:rPr lang="de-DE" smtClean="0"/>
-              <a:t>27.09.19</a:t>
+              <a:t>30.09.19</a:t>
             </a:fld>
             <a:endParaRPr lang="de-DE"/>
           </a:p>
@@ -666,7 +667,7 @@
           <a:p>
             <a:fld id="{0CFD6905-8642-D147-B9E1-0B96FE24F1DC}" type="datetimeFigureOut">
               <a:rPr lang="de-DE" smtClean="0"/>
-              <a:t>27.09.19</a:t>
+              <a:t>30.09.19</a:t>
             </a:fld>
             <a:endParaRPr lang="de-DE"/>
           </a:p>
@@ -864,7 +865,7 @@
           <a:p>
             <a:fld id="{0CFD6905-8642-D147-B9E1-0B96FE24F1DC}" type="datetimeFigureOut">
               <a:rPr lang="de-DE" smtClean="0"/>
-              <a:t>27.09.19</a:t>
+              <a:t>30.09.19</a:t>
             </a:fld>
             <a:endParaRPr lang="de-DE"/>
           </a:p>
@@ -1139,7 +1140,7 @@
           <a:p>
             <a:fld id="{0CFD6905-8642-D147-B9E1-0B96FE24F1DC}" type="datetimeFigureOut">
               <a:rPr lang="de-DE" smtClean="0"/>
-              <a:t>27.09.19</a:t>
+              <a:t>30.09.19</a:t>
             </a:fld>
             <a:endParaRPr lang="de-DE"/>
           </a:p>
@@ -1404,7 +1405,7 @@
           <a:p>
             <a:fld id="{0CFD6905-8642-D147-B9E1-0B96FE24F1DC}" type="datetimeFigureOut">
               <a:rPr lang="de-DE" smtClean="0"/>
-              <a:t>27.09.19</a:t>
+              <a:t>30.09.19</a:t>
             </a:fld>
             <a:endParaRPr lang="de-DE"/>
           </a:p>
@@ -1816,7 +1817,7 @@
           <a:p>
             <a:fld id="{0CFD6905-8642-D147-B9E1-0B96FE24F1DC}" type="datetimeFigureOut">
               <a:rPr lang="de-DE" smtClean="0"/>
-              <a:t>27.09.19</a:t>
+              <a:t>30.09.19</a:t>
             </a:fld>
             <a:endParaRPr lang="de-DE"/>
           </a:p>
@@ -1957,7 +1958,7 @@
           <a:p>
             <a:fld id="{0CFD6905-8642-D147-B9E1-0B96FE24F1DC}" type="datetimeFigureOut">
               <a:rPr lang="de-DE" smtClean="0"/>
-              <a:t>27.09.19</a:t>
+              <a:t>30.09.19</a:t>
             </a:fld>
             <a:endParaRPr lang="de-DE"/>
           </a:p>
@@ -2070,7 +2071,7 @@
           <a:p>
             <a:fld id="{0CFD6905-8642-D147-B9E1-0B96FE24F1DC}" type="datetimeFigureOut">
               <a:rPr lang="de-DE" smtClean="0"/>
-              <a:t>27.09.19</a:t>
+              <a:t>30.09.19</a:t>
             </a:fld>
             <a:endParaRPr lang="de-DE"/>
           </a:p>
@@ -2381,7 +2382,7 @@
           <a:p>
             <a:fld id="{0CFD6905-8642-D147-B9E1-0B96FE24F1DC}" type="datetimeFigureOut">
               <a:rPr lang="de-DE" smtClean="0"/>
-              <a:t>27.09.19</a:t>
+              <a:t>30.09.19</a:t>
             </a:fld>
             <a:endParaRPr lang="de-DE"/>
           </a:p>
@@ -2669,7 +2670,7 @@
           <a:p>
             <a:fld id="{0CFD6905-8642-D147-B9E1-0B96FE24F1DC}" type="datetimeFigureOut">
               <a:rPr lang="de-DE" smtClean="0"/>
-              <a:t>27.09.19</a:t>
+              <a:t>30.09.19</a:t>
             </a:fld>
             <a:endParaRPr lang="de-DE"/>
           </a:p>
@@ -2910,7 +2911,7 @@
           <a:p>
             <a:fld id="{0CFD6905-8642-D147-B9E1-0B96FE24F1DC}" type="datetimeFigureOut">
               <a:rPr lang="de-DE" smtClean="0"/>
-              <a:t>27.09.19</a:t>
+              <a:t>30.09.19</a:t>
             </a:fld>
             <a:endParaRPr lang="de-DE"/>
           </a:p>
@@ -3689,8 +3690,8 @@
           <a:chExt cx="0" cy="0"/>
         </a:xfrm>
       </p:grpSpPr>
-      <mc:AlternateContent xmlns:mc="http://schemas.openxmlformats.org/markup-compatibility/2006">
-        <mc:Choice xmlns:a14="http://schemas.microsoft.com/office/drawing/2010/main" Requires="a14">
+      <mc:AlternateContent xmlns:mc="http://schemas.openxmlformats.org/markup-compatibility/2006" xmlns:a14="http://schemas.microsoft.com/office/drawing/2010/main">
+        <mc:Choice Requires="a14">
           <p:sp>
             <p:nvSpPr>
               <p:cNvPr id="3" name="Abgerundetes Rechteck 2">
@@ -3992,16 +3993,7 @@
                               </a:solidFill>
                               <a:latin typeface="Cambria Math" panose="02040503050406030204" pitchFamily="18" charset="0"/>
                             </a:rPr>
-                            <m:t>𝑙𝑎</m:t>
-                          </m:r>
-                          <m:r>
-                            <a:rPr lang="de-CH" b="0" i="1" smtClean="0">
-                              <a:solidFill>
-                                <a:schemeClr val="tx1"/>
-                              </a:solidFill>
-                              <a:latin typeface="Cambria Math" panose="02040503050406030204" pitchFamily="18" charset="0"/>
-                            </a:rPr>
-                            <m:t>𝑡</m:t>
+                            <m:t>𝑙𝑎𝑡</m:t>
                           </m:r>
                           <m:r>
                             <a:rPr lang="de-CH" i="1">
@@ -4249,7 +4241,7 @@
             </p:txBody>
           </p:sp>
         </mc:Choice>
-        <mc:Fallback>
+        <mc:Fallback xmlns="">
           <p:sp>
             <p:nvSpPr>
               <p:cNvPr id="3" name="Abgerundetes Rechteck 2">
@@ -4303,6 +4295,147 @@
     <p:extLst>
       <p:ext uri="{BB962C8B-B14F-4D97-AF65-F5344CB8AC3E}">
         <p14:creationId xmlns:p14="http://schemas.microsoft.com/office/powerpoint/2010/main" val="2025127324"/>
+      </p:ext>
+    </p:extLst>
+  </p:cSld>
+  <p:clrMapOvr>
+    <a:masterClrMapping/>
+  </p:clrMapOvr>
+</p:sld>
+</file>
+
+<file path=ppt/slides/slide3.xml><?xml version="1.0" encoding="utf-8"?>
+<p:sld xmlns:a="http://schemas.openxmlformats.org/drawingml/2006/main" xmlns:r="http://schemas.openxmlformats.org/officeDocument/2006/relationships" xmlns:p="http://schemas.openxmlformats.org/presentationml/2006/main">
+  <p:cSld>
+    <p:spTree>
+      <p:nvGrpSpPr>
+        <p:cNvPr id="1" name=""/>
+        <p:cNvGrpSpPr/>
+        <p:nvPr/>
+      </p:nvGrpSpPr>
+      <p:grpSpPr>
+        <a:xfrm>
+          <a:off x="0" y="0"/>
+          <a:ext cx="0" cy="0"/>
+          <a:chOff x="0" y="0"/>
+          <a:chExt cx="0" cy="0"/>
+        </a:xfrm>
+      </p:grpSpPr>
+      <p:cxnSp>
+        <p:nvCxnSpPr>
+          <p:cNvPr id="3" name="Gerade Verbindung 2">
+            <a:extLst>
+              <a:ext uri="{FF2B5EF4-FFF2-40B4-BE49-F238E27FC236}">
+                <a16:creationId xmlns:a16="http://schemas.microsoft.com/office/drawing/2014/main" id="{1F5A30FD-E4A4-2242-99F5-D2551914C5AA}"/>
+              </a:ext>
+            </a:extLst>
+          </p:cNvPr>
+          <p:cNvCxnSpPr/>
+          <p:nvPr/>
+        </p:nvCxnSpPr>
+        <p:spPr>
+          <a:xfrm>
+            <a:off x="2478505" y="3200400"/>
+            <a:ext cx="7206916" cy="0"/>
+          </a:xfrm>
+          <a:prstGeom prst="line">
+            <a:avLst/>
+          </a:prstGeom>
+          <a:ln w="38100"/>
+        </p:spPr>
+        <p:style>
+          <a:lnRef idx="1">
+            <a:schemeClr val="dk1"/>
+          </a:lnRef>
+          <a:fillRef idx="0">
+            <a:schemeClr val="dk1"/>
+          </a:fillRef>
+          <a:effectRef idx="0">
+            <a:schemeClr val="dk1"/>
+          </a:effectRef>
+          <a:fontRef idx="minor">
+            <a:schemeClr val="tx1"/>
+          </a:fontRef>
+        </p:style>
+      </p:cxnSp>
+      <p:sp>
+        <p:nvSpPr>
+          <p:cNvPr id="4" name="Textfeld 3">
+            <a:extLst>
+              <a:ext uri="{FF2B5EF4-FFF2-40B4-BE49-F238E27FC236}">
+                <a16:creationId xmlns:a16="http://schemas.microsoft.com/office/drawing/2014/main" id="{9E7CA1FB-EFB7-2640-9F50-A7577B8B13E1}"/>
+              </a:ext>
+            </a:extLst>
+          </p:cNvPr>
+          <p:cNvSpPr txBox="1"/>
+          <p:nvPr/>
+        </p:nvSpPr>
+        <p:spPr>
+          <a:xfrm>
+            <a:off x="622932" y="3015734"/>
+            <a:ext cx="1855573" cy="369332"/>
+          </a:xfrm>
+          <a:prstGeom prst="rect">
+            <a:avLst/>
+          </a:prstGeom>
+          <a:noFill/>
+        </p:spPr>
+        <p:txBody>
+          <a:bodyPr wrap="none" rtlCol="0">
+            <a:spAutoFit/>
+          </a:bodyPr>
+          <a:lstStyle/>
+          <a:p>
+            <a:r>
+              <a:rPr lang="de-DE" dirty="0"/>
+              <a:t>Korrekte Position</a:t>
+            </a:r>
+          </a:p>
+        </p:txBody>
+      </p:sp>
+      <p:cxnSp>
+        <p:nvCxnSpPr>
+          <p:cNvPr id="6" name="Gerade Verbindung 5">
+            <a:extLst>
+              <a:ext uri="{FF2B5EF4-FFF2-40B4-BE49-F238E27FC236}">
+                <a16:creationId xmlns:a16="http://schemas.microsoft.com/office/drawing/2014/main" id="{1559C482-D17C-B54B-9D91-34A1E20B4816}"/>
+              </a:ext>
+            </a:extLst>
+          </p:cNvPr>
+          <p:cNvCxnSpPr>
+            <a:cxnSpLocks/>
+          </p:cNvCxnSpPr>
+          <p:nvPr/>
+        </p:nvCxnSpPr>
+        <p:spPr>
+          <a:xfrm>
+            <a:off x="2622884" y="842211"/>
+            <a:ext cx="0" cy="4499810"/>
+          </a:xfrm>
+          <a:prstGeom prst="line">
+            <a:avLst/>
+          </a:prstGeom>
+          <a:ln w="38100"/>
+        </p:spPr>
+        <p:style>
+          <a:lnRef idx="1">
+            <a:schemeClr val="dk1"/>
+          </a:lnRef>
+          <a:fillRef idx="0">
+            <a:schemeClr val="dk1"/>
+          </a:fillRef>
+          <a:effectRef idx="0">
+            <a:schemeClr val="dk1"/>
+          </a:effectRef>
+          <a:fontRef idx="minor">
+            <a:schemeClr val="tx1"/>
+          </a:fontRef>
+        </p:style>
+      </p:cxnSp>
+    </p:spTree>
+    <p:extLst>
+      <p:ext uri="{BB962C8B-B14F-4D97-AF65-F5344CB8AC3E}">
+        <p14:creationId xmlns:p14="http://schemas.microsoft.com/office/powerpoint/2010/main" val="2531431808"/>
       </p:ext>
     </p:extLst>
   </p:cSld>

--- a/Texte/GPS.pptx
+++ b/Texte/GPS.pptx
@@ -261,7 +261,7 @@
           <a:p>
             <a:fld id="{0CFD6905-8642-D147-B9E1-0B96FE24F1DC}" type="datetimeFigureOut">
               <a:rPr lang="de-DE" smtClean="0"/>
-              <a:t>30.09.19</a:t>
+              <a:t>03.10.19</a:t>
             </a:fld>
             <a:endParaRPr lang="de-DE"/>
           </a:p>
@@ -459,7 +459,7 @@
           <a:p>
             <a:fld id="{0CFD6905-8642-D147-B9E1-0B96FE24F1DC}" type="datetimeFigureOut">
               <a:rPr lang="de-DE" smtClean="0"/>
-              <a:t>30.09.19</a:t>
+              <a:t>03.10.19</a:t>
             </a:fld>
             <a:endParaRPr lang="de-DE"/>
           </a:p>
@@ -667,7 +667,7 @@
           <a:p>
             <a:fld id="{0CFD6905-8642-D147-B9E1-0B96FE24F1DC}" type="datetimeFigureOut">
               <a:rPr lang="de-DE" smtClean="0"/>
-              <a:t>30.09.19</a:t>
+              <a:t>03.10.19</a:t>
             </a:fld>
             <a:endParaRPr lang="de-DE"/>
           </a:p>
@@ -865,7 +865,7 @@
           <a:p>
             <a:fld id="{0CFD6905-8642-D147-B9E1-0B96FE24F1DC}" type="datetimeFigureOut">
               <a:rPr lang="de-DE" smtClean="0"/>
-              <a:t>30.09.19</a:t>
+              <a:t>03.10.19</a:t>
             </a:fld>
             <a:endParaRPr lang="de-DE"/>
           </a:p>
@@ -1140,7 +1140,7 @@
           <a:p>
             <a:fld id="{0CFD6905-8642-D147-B9E1-0B96FE24F1DC}" type="datetimeFigureOut">
               <a:rPr lang="de-DE" smtClean="0"/>
-              <a:t>30.09.19</a:t>
+              <a:t>03.10.19</a:t>
             </a:fld>
             <a:endParaRPr lang="de-DE"/>
           </a:p>
@@ -1405,7 +1405,7 @@
           <a:p>
             <a:fld id="{0CFD6905-8642-D147-B9E1-0B96FE24F1DC}" type="datetimeFigureOut">
               <a:rPr lang="de-DE" smtClean="0"/>
-              <a:t>30.09.19</a:t>
+              <a:t>03.10.19</a:t>
             </a:fld>
             <a:endParaRPr lang="de-DE"/>
           </a:p>
@@ -1817,7 +1817,7 @@
           <a:p>
             <a:fld id="{0CFD6905-8642-D147-B9E1-0B96FE24F1DC}" type="datetimeFigureOut">
               <a:rPr lang="de-DE" smtClean="0"/>
-              <a:t>30.09.19</a:t>
+              <a:t>03.10.19</a:t>
             </a:fld>
             <a:endParaRPr lang="de-DE"/>
           </a:p>
@@ -1958,7 +1958,7 @@
           <a:p>
             <a:fld id="{0CFD6905-8642-D147-B9E1-0B96FE24F1DC}" type="datetimeFigureOut">
               <a:rPr lang="de-DE" smtClean="0"/>
-              <a:t>30.09.19</a:t>
+              <a:t>03.10.19</a:t>
             </a:fld>
             <a:endParaRPr lang="de-DE"/>
           </a:p>
@@ -2071,7 +2071,7 @@
           <a:p>
             <a:fld id="{0CFD6905-8642-D147-B9E1-0B96FE24F1DC}" type="datetimeFigureOut">
               <a:rPr lang="de-DE" smtClean="0"/>
-              <a:t>30.09.19</a:t>
+              <a:t>03.10.19</a:t>
             </a:fld>
             <a:endParaRPr lang="de-DE"/>
           </a:p>
@@ -2382,7 +2382,7 @@
           <a:p>
             <a:fld id="{0CFD6905-8642-D147-B9E1-0B96FE24F1DC}" type="datetimeFigureOut">
               <a:rPr lang="de-DE" smtClean="0"/>
-              <a:t>30.09.19</a:t>
+              <a:t>03.10.19</a:t>
             </a:fld>
             <a:endParaRPr lang="de-DE"/>
           </a:p>
@@ -2670,7 +2670,7 @@
           <a:p>
             <a:fld id="{0CFD6905-8642-D147-B9E1-0B96FE24F1DC}" type="datetimeFigureOut">
               <a:rPr lang="de-DE" smtClean="0"/>
-              <a:t>30.09.19</a:t>
+              <a:t>03.10.19</a:t>
             </a:fld>
             <a:endParaRPr lang="de-DE"/>
           </a:p>
@@ -2911,7 +2911,7 @@
           <a:p>
             <a:fld id="{0CFD6905-8642-D147-B9E1-0B96FE24F1DC}" type="datetimeFigureOut">
               <a:rPr lang="de-DE" smtClean="0"/>
-              <a:t>30.09.19</a:t>
+              <a:t>03.10.19</a:t>
             </a:fld>
             <a:endParaRPr lang="de-DE"/>
           </a:p>
@@ -4321,12 +4321,47 @@
           <a:chExt cx="0" cy="0"/>
         </a:xfrm>
       </p:grpSpPr>
+      <p:sp>
+        <p:nvSpPr>
+          <p:cNvPr id="4" name="Textfeld 3">
+            <a:extLst>
+              <a:ext uri="{FF2B5EF4-FFF2-40B4-BE49-F238E27FC236}">
+                <a16:creationId xmlns:a16="http://schemas.microsoft.com/office/drawing/2014/main" id="{9E7CA1FB-EFB7-2640-9F50-A7577B8B13E1}"/>
+              </a:ext>
+            </a:extLst>
+          </p:cNvPr>
+          <p:cNvSpPr txBox="1"/>
+          <p:nvPr/>
+        </p:nvSpPr>
+        <p:spPr>
+          <a:xfrm>
+            <a:off x="622932" y="3015734"/>
+            <a:ext cx="1855573" cy="369332"/>
+          </a:xfrm>
+          <a:prstGeom prst="rect">
+            <a:avLst/>
+          </a:prstGeom>
+          <a:noFill/>
+        </p:spPr>
+        <p:txBody>
+          <a:bodyPr wrap="none" rtlCol="0">
+            <a:spAutoFit/>
+          </a:bodyPr>
+          <a:lstStyle/>
+          <a:p>
+            <a:r>
+              <a:rPr lang="de-DE" dirty="0"/>
+              <a:t>Korrekte Position</a:t>
+            </a:r>
+          </a:p>
+        </p:txBody>
+      </p:sp>
       <p:cxnSp>
         <p:nvCxnSpPr>
-          <p:cNvPr id="3" name="Gerade Verbindung 2">
-            <a:extLst>
-              <a:ext uri="{FF2B5EF4-FFF2-40B4-BE49-F238E27FC236}">
-                <a16:creationId xmlns:a16="http://schemas.microsoft.com/office/drawing/2014/main" id="{1F5A30FD-E4A4-2242-99F5-D2551914C5AA}"/>
+          <p:cNvPr id="12" name="Gerade Verbindung mit Pfeil 11">
+            <a:extLst>
+              <a:ext uri="{FF2B5EF4-FFF2-40B4-BE49-F238E27FC236}">
+                <a16:creationId xmlns:a16="http://schemas.microsoft.com/office/drawing/2014/main" id="{A8F843B0-8AA6-9243-99C4-2D4DFA208CB4}"/>
               </a:ext>
             </a:extLst>
           </p:cNvPr>
@@ -4335,13 +4370,16 @@
         </p:nvCxnSpPr>
         <p:spPr>
           <a:xfrm>
-            <a:off x="2478505" y="3200400"/>
-            <a:ext cx="7206916" cy="0"/>
+            <a:off x="3513220" y="3385066"/>
+            <a:ext cx="4836696" cy="0"/>
           </a:xfrm>
-          <a:prstGeom prst="line">
+          <a:prstGeom prst="straightConnector1">
             <a:avLst/>
           </a:prstGeom>
-          <a:ln w="38100"/>
+          <a:ln w="38100">
+            <a:headEnd type="triangle"/>
+            <a:tailEnd type="triangle"/>
+          </a:ln>
         </p:spPr>
         <p:style>
           <a:lnRef idx="1">
@@ -4358,64 +4396,30 @@
           </a:fontRef>
         </p:style>
       </p:cxnSp>
-      <p:sp>
-        <p:nvSpPr>
-          <p:cNvPr id="4" name="Textfeld 3">
-            <a:extLst>
-              <a:ext uri="{FF2B5EF4-FFF2-40B4-BE49-F238E27FC236}">
-                <a16:creationId xmlns:a16="http://schemas.microsoft.com/office/drawing/2014/main" id="{9E7CA1FB-EFB7-2640-9F50-A7577B8B13E1}"/>
-              </a:ext>
-            </a:extLst>
-          </p:cNvPr>
-          <p:cNvSpPr txBox="1"/>
-          <p:nvPr/>
-        </p:nvSpPr>
-        <p:spPr>
-          <a:xfrm>
-            <a:off x="622932" y="3015734"/>
-            <a:ext cx="1855573" cy="369332"/>
-          </a:xfrm>
-          <a:prstGeom prst="rect">
-            <a:avLst/>
-          </a:prstGeom>
-          <a:noFill/>
-        </p:spPr>
-        <p:txBody>
-          <a:bodyPr wrap="none" rtlCol="0">
-            <a:spAutoFit/>
-          </a:bodyPr>
-          <a:lstStyle/>
-          <a:p>
-            <a:r>
-              <a:rPr lang="de-DE" dirty="0"/>
-              <a:t>Korrekte Position</a:t>
-            </a:r>
-          </a:p>
-        </p:txBody>
-      </p:sp>
       <p:cxnSp>
         <p:nvCxnSpPr>
-          <p:cNvPr id="6" name="Gerade Verbindung 5">
-            <a:extLst>
-              <a:ext uri="{FF2B5EF4-FFF2-40B4-BE49-F238E27FC236}">
-                <a16:creationId xmlns:a16="http://schemas.microsoft.com/office/drawing/2014/main" id="{1559C482-D17C-B54B-9D91-34A1E20B4816}"/>
-              </a:ext>
-            </a:extLst>
-          </p:cNvPr>
-          <p:cNvCxnSpPr>
-            <a:cxnSpLocks/>
-          </p:cNvCxnSpPr>
+          <p:cNvPr id="14" name="Gerade Verbindung mit Pfeil 13">
+            <a:extLst>
+              <a:ext uri="{FF2B5EF4-FFF2-40B4-BE49-F238E27FC236}">
+                <a16:creationId xmlns:a16="http://schemas.microsoft.com/office/drawing/2014/main" id="{99DC1EE8-25B3-0B4A-B331-68F32757E577}"/>
+              </a:ext>
+            </a:extLst>
+          </p:cNvPr>
+          <p:cNvCxnSpPr/>
           <p:nvPr/>
         </p:nvCxnSpPr>
         <p:spPr>
           <a:xfrm>
-            <a:off x="2622884" y="842211"/>
-            <a:ext cx="0" cy="4499810"/>
+            <a:off x="6096000" y="992605"/>
+            <a:ext cx="0" cy="4872789"/>
           </a:xfrm>
-          <a:prstGeom prst="line">
+          <a:prstGeom prst="straightConnector1">
             <a:avLst/>
           </a:prstGeom>
-          <a:ln w="38100"/>
+          <a:ln w="38100">
+            <a:headEnd type="triangle"/>
+            <a:tailEnd type="triangle"/>
+          </a:ln>
         </p:spPr>
         <p:style>
           <a:lnRef idx="1">
@@ -4432,6 +4436,482 @@
           </a:fontRef>
         </p:style>
       </p:cxnSp>
+      <p:sp>
+        <p:nvSpPr>
+          <p:cNvPr id="15" name="Textfeld 14">
+            <a:extLst>
+              <a:ext uri="{FF2B5EF4-FFF2-40B4-BE49-F238E27FC236}">
+                <a16:creationId xmlns:a16="http://schemas.microsoft.com/office/drawing/2014/main" id="{92AE9F6F-0556-024B-9FDF-45ACE9252B64}"/>
+              </a:ext>
+            </a:extLst>
+          </p:cNvPr>
+          <p:cNvSpPr txBox="1"/>
+          <p:nvPr/>
+        </p:nvSpPr>
+        <p:spPr>
+          <a:xfrm>
+            <a:off x="5931568" y="720073"/>
+            <a:ext cx="333746" cy="369332"/>
+          </a:xfrm>
+          <a:prstGeom prst="rect">
+            <a:avLst/>
+          </a:prstGeom>
+          <a:noFill/>
+        </p:spPr>
+        <p:txBody>
+          <a:bodyPr wrap="none" rtlCol="0">
+            <a:spAutoFit/>
+          </a:bodyPr>
+          <a:lstStyle/>
+          <a:p>
+            <a:r>
+              <a:rPr lang="de-DE" dirty="0"/>
+              <a:t>N</a:t>
+            </a:r>
+          </a:p>
+        </p:txBody>
+      </p:sp>
+      <p:sp>
+        <p:nvSpPr>
+          <p:cNvPr id="16" name="Textfeld 15">
+            <a:extLst>
+              <a:ext uri="{FF2B5EF4-FFF2-40B4-BE49-F238E27FC236}">
+                <a16:creationId xmlns:a16="http://schemas.microsoft.com/office/drawing/2014/main" id="{E91FC502-3184-1940-8E13-8DB02BC71DFD}"/>
+              </a:ext>
+            </a:extLst>
+          </p:cNvPr>
+          <p:cNvSpPr txBox="1"/>
+          <p:nvPr/>
+        </p:nvSpPr>
+        <p:spPr>
+          <a:xfrm>
+            <a:off x="8349916" y="3200400"/>
+            <a:ext cx="336952" cy="369332"/>
+          </a:xfrm>
+          <a:prstGeom prst="rect">
+            <a:avLst/>
+          </a:prstGeom>
+          <a:noFill/>
+        </p:spPr>
+        <p:txBody>
+          <a:bodyPr wrap="none" rtlCol="0">
+            <a:spAutoFit/>
+          </a:bodyPr>
+          <a:lstStyle/>
+          <a:p>
+            <a:r>
+              <a:rPr lang="de-DE" dirty="0"/>
+              <a:t>O</a:t>
+            </a:r>
+          </a:p>
+        </p:txBody>
+      </p:sp>
+      <p:sp>
+        <p:nvSpPr>
+          <p:cNvPr id="17" name="Textfeld 16">
+            <a:extLst>
+              <a:ext uri="{FF2B5EF4-FFF2-40B4-BE49-F238E27FC236}">
+                <a16:creationId xmlns:a16="http://schemas.microsoft.com/office/drawing/2014/main" id="{71EFC715-1E1F-8B4F-8F63-07ED7DC45777}"/>
+              </a:ext>
+            </a:extLst>
+          </p:cNvPr>
+          <p:cNvSpPr txBox="1"/>
+          <p:nvPr/>
+        </p:nvSpPr>
+        <p:spPr>
+          <a:xfrm>
+            <a:off x="5950768" y="5837411"/>
+            <a:ext cx="290464" cy="369332"/>
+          </a:xfrm>
+          <a:prstGeom prst="rect">
+            <a:avLst/>
+          </a:prstGeom>
+          <a:noFill/>
+        </p:spPr>
+        <p:txBody>
+          <a:bodyPr wrap="none" rtlCol="0">
+            <a:spAutoFit/>
+          </a:bodyPr>
+          <a:lstStyle/>
+          <a:p>
+            <a:r>
+              <a:rPr lang="de-DE" dirty="0"/>
+              <a:t>S</a:t>
+            </a:r>
+          </a:p>
+        </p:txBody>
+      </p:sp>
+      <p:sp>
+        <p:nvSpPr>
+          <p:cNvPr id="18" name="Textfeld 17">
+            <a:extLst>
+              <a:ext uri="{FF2B5EF4-FFF2-40B4-BE49-F238E27FC236}">
+                <a16:creationId xmlns:a16="http://schemas.microsoft.com/office/drawing/2014/main" id="{0B5381A0-EC7B-584F-A31D-437F0D976D97}"/>
+              </a:ext>
+            </a:extLst>
+          </p:cNvPr>
+          <p:cNvSpPr txBox="1"/>
+          <p:nvPr/>
+        </p:nvSpPr>
+        <p:spPr>
+          <a:xfrm>
+            <a:off x="3176268" y="3200400"/>
+            <a:ext cx="389850" cy="369332"/>
+          </a:xfrm>
+          <a:prstGeom prst="rect">
+            <a:avLst/>
+          </a:prstGeom>
+          <a:noFill/>
+        </p:spPr>
+        <p:txBody>
+          <a:bodyPr wrap="none" rtlCol="0">
+            <a:spAutoFit/>
+          </a:bodyPr>
+          <a:lstStyle/>
+          <a:p>
+            <a:r>
+              <a:rPr lang="de-DE" dirty="0"/>
+              <a:t>W</a:t>
+            </a:r>
+          </a:p>
+        </p:txBody>
+      </p:sp>
+      <p:cxnSp>
+        <p:nvCxnSpPr>
+          <p:cNvPr id="20" name="Gerade Verbindung mit Pfeil 19">
+            <a:extLst>
+              <a:ext uri="{FF2B5EF4-FFF2-40B4-BE49-F238E27FC236}">
+                <a16:creationId xmlns:a16="http://schemas.microsoft.com/office/drawing/2014/main" id="{0B236A2D-95BF-D04B-942F-A3F32236F3ED}"/>
+              </a:ext>
+            </a:extLst>
+          </p:cNvPr>
+          <p:cNvCxnSpPr/>
+          <p:nvPr/>
+        </p:nvCxnSpPr>
+        <p:spPr>
+          <a:xfrm flipV="1">
+            <a:off x="6096000" y="1997242"/>
+            <a:ext cx="1231232" cy="1387824"/>
+          </a:xfrm>
+          <a:prstGeom prst="straightConnector1">
+            <a:avLst/>
+          </a:prstGeom>
+          <a:ln w="38100">
+            <a:solidFill>
+              <a:schemeClr val="accent1"/>
+            </a:solidFill>
+            <a:tailEnd type="triangle"/>
+          </a:ln>
+        </p:spPr>
+        <p:style>
+          <a:lnRef idx="1">
+            <a:schemeClr val="accent1"/>
+          </a:lnRef>
+          <a:fillRef idx="0">
+            <a:schemeClr val="accent1"/>
+          </a:fillRef>
+          <a:effectRef idx="0">
+            <a:schemeClr val="accent1"/>
+          </a:effectRef>
+          <a:fontRef idx="minor">
+            <a:schemeClr val="tx1"/>
+          </a:fontRef>
+        </p:style>
+      </p:cxnSp>
+      <p:sp>
+        <p:nvSpPr>
+          <p:cNvPr id="21" name="Textfeld 20">
+            <a:extLst>
+              <a:ext uri="{FF2B5EF4-FFF2-40B4-BE49-F238E27FC236}">
+                <a16:creationId xmlns:a16="http://schemas.microsoft.com/office/drawing/2014/main" id="{17B64B76-048F-7B44-B76A-2F2C9086CD77}"/>
+              </a:ext>
+            </a:extLst>
+          </p:cNvPr>
+          <p:cNvSpPr txBox="1"/>
+          <p:nvPr/>
+        </p:nvSpPr>
+        <p:spPr>
+          <a:xfrm rot="18587947">
+            <a:off x="6365353" y="2321822"/>
+            <a:ext cx="483979" cy="369332"/>
+          </a:xfrm>
+          <a:prstGeom prst="rect">
+            <a:avLst/>
+          </a:prstGeom>
+          <a:noFill/>
+        </p:spPr>
+        <p:txBody>
+          <a:bodyPr wrap="none" rtlCol="0">
+            <a:spAutoFit/>
+          </a:bodyPr>
+          <a:lstStyle/>
+          <a:p>
+            <a:r>
+              <a:rPr lang="de-DE" dirty="0"/>
+              <a:t>a</a:t>
+            </a:r>
+            <a:r>
+              <a:rPr lang="de-DE" baseline="-25000" dirty="0"/>
+              <a:t>res</a:t>
+            </a:r>
+            <a:endParaRPr lang="de-DE" dirty="0"/>
+          </a:p>
+        </p:txBody>
+      </p:sp>
+      <p:cxnSp>
+        <p:nvCxnSpPr>
+          <p:cNvPr id="23" name="Gerade Verbindung mit Pfeil 22">
+            <a:extLst>
+              <a:ext uri="{FF2B5EF4-FFF2-40B4-BE49-F238E27FC236}">
+                <a16:creationId xmlns:a16="http://schemas.microsoft.com/office/drawing/2014/main" id="{117F2546-9071-2342-8FE3-56A3BD27A03E}"/>
+              </a:ext>
+            </a:extLst>
+          </p:cNvPr>
+          <p:cNvCxnSpPr/>
+          <p:nvPr/>
+        </p:nvCxnSpPr>
+        <p:spPr>
+          <a:xfrm>
+            <a:off x="6096000" y="3385066"/>
+            <a:ext cx="1231232" cy="0"/>
+          </a:xfrm>
+          <a:prstGeom prst="straightConnector1">
+            <a:avLst/>
+          </a:prstGeom>
+          <a:ln w="38100">
+            <a:tailEnd type="triangle"/>
+          </a:ln>
+        </p:spPr>
+        <p:style>
+          <a:lnRef idx="1">
+            <a:schemeClr val="accent1"/>
+          </a:lnRef>
+          <a:fillRef idx="0">
+            <a:schemeClr val="accent1"/>
+          </a:fillRef>
+          <a:effectRef idx="0">
+            <a:schemeClr val="accent1"/>
+          </a:effectRef>
+          <a:fontRef idx="minor">
+            <a:schemeClr val="tx1"/>
+          </a:fontRef>
+        </p:style>
+      </p:cxnSp>
+      <p:sp>
+        <p:nvSpPr>
+          <p:cNvPr id="24" name="Textfeld 23">
+            <a:extLst>
+              <a:ext uri="{FF2B5EF4-FFF2-40B4-BE49-F238E27FC236}">
+                <a16:creationId xmlns:a16="http://schemas.microsoft.com/office/drawing/2014/main" id="{ACE150FF-9A71-A14A-9669-0AAADC499DEE}"/>
+              </a:ext>
+            </a:extLst>
+          </p:cNvPr>
+          <p:cNvSpPr txBox="1"/>
+          <p:nvPr/>
+        </p:nvSpPr>
+        <p:spPr>
+          <a:xfrm>
+            <a:off x="6465395" y="3385066"/>
+            <a:ext cx="492443" cy="369332"/>
+          </a:xfrm>
+          <a:prstGeom prst="rect">
+            <a:avLst/>
+          </a:prstGeom>
+          <a:noFill/>
+        </p:spPr>
+        <p:txBody>
+          <a:bodyPr wrap="none" rtlCol="0">
+            <a:spAutoFit/>
+          </a:bodyPr>
+          <a:lstStyle/>
+          <a:p>
+            <a:r>
+              <a:rPr lang="de-DE" dirty="0"/>
+              <a:t>a</a:t>
+            </a:r>
+            <a:r>
+              <a:rPr lang="de-DE" baseline="-25000" dirty="0"/>
+              <a:t>lon</a:t>
+            </a:r>
+            <a:endParaRPr lang="de-DE" dirty="0"/>
+          </a:p>
+        </p:txBody>
+      </p:sp>
+      <p:cxnSp>
+        <p:nvCxnSpPr>
+          <p:cNvPr id="26" name="Gerade Verbindung mit Pfeil 25">
+            <a:extLst>
+              <a:ext uri="{FF2B5EF4-FFF2-40B4-BE49-F238E27FC236}">
+                <a16:creationId xmlns:a16="http://schemas.microsoft.com/office/drawing/2014/main" id="{B1736572-5FEC-F540-954C-81698648573F}"/>
+              </a:ext>
+            </a:extLst>
+          </p:cNvPr>
+          <p:cNvCxnSpPr/>
+          <p:nvPr/>
+        </p:nvCxnSpPr>
+        <p:spPr>
+          <a:xfrm flipV="1">
+            <a:off x="7327232" y="1997242"/>
+            <a:ext cx="0" cy="1387824"/>
+          </a:xfrm>
+          <a:prstGeom prst="straightConnector1">
+            <a:avLst/>
+          </a:prstGeom>
+          <a:ln w="38100">
+            <a:tailEnd type="triangle"/>
+          </a:ln>
+        </p:spPr>
+        <p:style>
+          <a:lnRef idx="1">
+            <a:schemeClr val="accent1"/>
+          </a:lnRef>
+          <a:fillRef idx="0">
+            <a:schemeClr val="accent1"/>
+          </a:fillRef>
+          <a:effectRef idx="0">
+            <a:schemeClr val="accent1"/>
+          </a:effectRef>
+          <a:fontRef idx="minor">
+            <a:schemeClr val="tx1"/>
+          </a:fontRef>
+        </p:style>
+      </p:cxnSp>
+      <p:sp>
+        <p:nvSpPr>
+          <p:cNvPr id="27" name="Textfeld 26">
+            <a:extLst>
+              <a:ext uri="{FF2B5EF4-FFF2-40B4-BE49-F238E27FC236}">
+                <a16:creationId xmlns:a16="http://schemas.microsoft.com/office/drawing/2014/main" id="{EC7D1E1C-B6B9-BB4E-B723-85E7A80D6E81}"/>
+              </a:ext>
+            </a:extLst>
+          </p:cNvPr>
+          <p:cNvSpPr txBox="1"/>
+          <p:nvPr/>
+        </p:nvSpPr>
+        <p:spPr>
+          <a:xfrm>
+            <a:off x="7327232" y="2506488"/>
+            <a:ext cx="454163" cy="369332"/>
+          </a:xfrm>
+          <a:prstGeom prst="rect">
+            <a:avLst/>
+          </a:prstGeom>
+          <a:noFill/>
+        </p:spPr>
+        <p:txBody>
+          <a:bodyPr wrap="none" rtlCol="0">
+            <a:spAutoFit/>
+          </a:bodyPr>
+          <a:lstStyle/>
+          <a:p>
+            <a:r>
+              <a:rPr lang="de-DE" dirty="0"/>
+              <a:t>a</a:t>
+            </a:r>
+            <a:r>
+              <a:rPr lang="de-DE" baseline="-25000" dirty="0"/>
+              <a:t>lat</a:t>
+            </a:r>
+            <a:endParaRPr lang="de-DE" dirty="0"/>
+          </a:p>
+        </p:txBody>
+      </p:sp>
+      <mc:AlternateContent xmlns:mc="http://schemas.openxmlformats.org/markup-compatibility/2006">
+        <mc:Choice xmlns:a14="http://schemas.microsoft.com/office/drawing/2010/main" Requires="a14">
+          <p:sp>
+            <p:nvSpPr>
+              <p:cNvPr id="29" name="Textfeld 28">
+                <a:extLst>
+                  <a:ext uri="{FF2B5EF4-FFF2-40B4-BE49-F238E27FC236}">
+                    <a16:creationId xmlns:a16="http://schemas.microsoft.com/office/drawing/2014/main" id="{A13163FF-A21D-FF43-9FFE-F6C59BD63A6B}"/>
+                  </a:ext>
+                </a:extLst>
+              </p:cNvPr>
+              <p:cNvSpPr txBox="1"/>
+              <p:nvPr/>
+            </p:nvSpPr>
+            <p:spPr>
+              <a:xfrm>
+                <a:off x="6417868" y="3065821"/>
+                <a:ext cx="189474" cy="276999"/>
+              </a:xfrm>
+              <a:prstGeom prst="rect">
+                <a:avLst/>
+              </a:prstGeom>
+              <a:noFill/>
+            </p:spPr>
+            <p:txBody>
+              <a:bodyPr wrap="none" lIns="0" tIns="0" rIns="0" bIns="0" rtlCol="0">
+                <a:spAutoFit/>
+              </a:bodyPr>
+              <a:lstStyle/>
+              <a:p>
+                <a14:m>
+                  <m:oMathPara xmlns:m="http://schemas.openxmlformats.org/officeDocument/2006/math">
+                    <m:oMathParaPr>
+                      <m:jc m:val="centerGroup"/>
+                    </m:oMathParaPr>
+                    <m:oMath xmlns:m="http://schemas.openxmlformats.org/officeDocument/2006/math">
+                      <m:r>
+                        <a:rPr lang="de-DE" i="1" smtClean="0">
+                          <a:latin typeface="Cambria Math" panose="02040503050406030204" pitchFamily="18" charset="0"/>
+                          <a:ea typeface="Cambria Math" panose="02040503050406030204" pitchFamily="18" charset="0"/>
+                        </a:rPr>
+                        <m:t>𝜃</m:t>
+                      </m:r>
+                    </m:oMath>
+                  </m:oMathPara>
+                </a14:m>
+                <a:endParaRPr lang="de-DE" dirty="0"/>
+              </a:p>
+            </p:txBody>
+          </p:sp>
+        </mc:Choice>
+        <mc:Fallback>
+          <p:sp>
+            <p:nvSpPr>
+              <p:cNvPr id="29" name="Textfeld 28">
+                <a:extLst>
+                  <a:ext uri="{FF2B5EF4-FFF2-40B4-BE49-F238E27FC236}">
+                    <a16:creationId xmlns:a16="http://schemas.microsoft.com/office/drawing/2014/main" id="{A13163FF-A21D-FF43-9FFE-F6C59BD63A6B}"/>
+                  </a:ext>
+                </a:extLst>
+              </p:cNvPr>
+              <p:cNvSpPr txBox="1">
+                <a:spLocks noRot="1" noChangeAspect="1" noMove="1" noResize="1" noEditPoints="1" noAdjustHandles="1" noChangeArrowheads="1" noChangeShapeType="1" noTextEdit="1"/>
+              </p:cNvSpPr>
+              <p:nvPr/>
+            </p:nvSpPr>
+            <p:spPr>
+              <a:xfrm>
+                <a:off x="6417868" y="3065821"/>
+                <a:ext cx="189474" cy="276999"/>
+              </a:xfrm>
+              <a:prstGeom prst="rect">
+                <a:avLst/>
+              </a:prstGeom>
+              <a:blipFill>
+                <a:blip r:embed="rId2"/>
+                <a:stretch>
+                  <a:fillRect l="-18750" r="-18750" b="-4348"/>
+                </a:stretch>
+              </a:blipFill>
+            </p:spPr>
+            <p:txBody>
+              <a:bodyPr/>
+              <a:lstStyle/>
+              <a:p>
+                <a:r>
+                  <a:rPr lang="de-DE">
+                    <a:noFill/>
+                  </a:rPr>
+                  <a:t> </a:t>
+                </a:r>
+              </a:p>
+            </p:txBody>
+          </p:sp>
+        </mc:Fallback>
+      </mc:AlternateContent>
     </p:spTree>
     <p:extLst>
       <p:ext uri="{BB962C8B-B14F-4D97-AF65-F5344CB8AC3E}">

--- a/Texte/GPS.pptx
+++ b/Texte/GPS.pptx
@@ -8,6 +8,7 @@
     <p:sldId id="256" r:id="rId2"/>
     <p:sldId id="257" r:id="rId3"/>
     <p:sldId id="258" r:id="rId4"/>
+    <p:sldId id="259" r:id="rId5"/>
   </p:sldIdLst>
   <p:sldSz cx="12192000" cy="6858000"/>
   <p:notesSz cx="6858000" cy="9144000"/>
@@ -261,7 +262,7 @@
           <a:p>
             <a:fld id="{0CFD6905-8642-D147-B9E1-0B96FE24F1DC}" type="datetimeFigureOut">
               <a:rPr lang="de-DE" smtClean="0"/>
-              <a:t>03.10.19</a:t>
+              <a:t>20.10.19</a:t>
             </a:fld>
             <a:endParaRPr lang="de-DE"/>
           </a:p>
@@ -459,7 +460,7 @@
           <a:p>
             <a:fld id="{0CFD6905-8642-D147-B9E1-0B96FE24F1DC}" type="datetimeFigureOut">
               <a:rPr lang="de-DE" smtClean="0"/>
-              <a:t>03.10.19</a:t>
+              <a:t>20.10.19</a:t>
             </a:fld>
             <a:endParaRPr lang="de-DE"/>
           </a:p>
@@ -667,7 +668,7 @@
           <a:p>
             <a:fld id="{0CFD6905-8642-D147-B9E1-0B96FE24F1DC}" type="datetimeFigureOut">
               <a:rPr lang="de-DE" smtClean="0"/>
-              <a:t>03.10.19</a:t>
+              <a:t>20.10.19</a:t>
             </a:fld>
             <a:endParaRPr lang="de-DE"/>
           </a:p>
@@ -865,7 +866,7 @@
           <a:p>
             <a:fld id="{0CFD6905-8642-D147-B9E1-0B96FE24F1DC}" type="datetimeFigureOut">
               <a:rPr lang="de-DE" smtClean="0"/>
-              <a:t>03.10.19</a:t>
+              <a:t>20.10.19</a:t>
             </a:fld>
             <a:endParaRPr lang="de-DE"/>
           </a:p>
@@ -1140,7 +1141,7 @@
           <a:p>
             <a:fld id="{0CFD6905-8642-D147-B9E1-0B96FE24F1DC}" type="datetimeFigureOut">
               <a:rPr lang="de-DE" smtClean="0"/>
-              <a:t>03.10.19</a:t>
+              <a:t>20.10.19</a:t>
             </a:fld>
             <a:endParaRPr lang="de-DE"/>
           </a:p>
@@ -1405,7 +1406,7 @@
           <a:p>
             <a:fld id="{0CFD6905-8642-D147-B9E1-0B96FE24F1DC}" type="datetimeFigureOut">
               <a:rPr lang="de-DE" smtClean="0"/>
-              <a:t>03.10.19</a:t>
+              <a:t>20.10.19</a:t>
             </a:fld>
             <a:endParaRPr lang="de-DE"/>
           </a:p>
@@ -1817,7 +1818,7 @@
           <a:p>
             <a:fld id="{0CFD6905-8642-D147-B9E1-0B96FE24F1DC}" type="datetimeFigureOut">
               <a:rPr lang="de-DE" smtClean="0"/>
-              <a:t>03.10.19</a:t>
+              <a:t>20.10.19</a:t>
             </a:fld>
             <a:endParaRPr lang="de-DE"/>
           </a:p>
@@ -1958,7 +1959,7 @@
           <a:p>
             <a:fld id="{0CFD6905-8642-D147-B9E1-0B96FE24F1DC}" type="datetimeFigureOut">
               <a:rPr lang="de-DE" smtClean="0"/>
-              <a:t>03.10.19</a:t>
+              <a:t>20.10.19</a:t>
             </a:fld>
             <a:endParaRPr lang="de-DE"/>
           </a:p>
@@ -2071,7 +2072,7 @@
           <a:p>
             <a:fld id="{0CFD6905-8642-D147-B9E1-0B96FE24F1DC}" type="datetimeFigureOut">
               <a:rPr lang="de-DE" smtClean="0"/>
-              <a:t>03.10.19</a:t>
+              <a:t>20.10.19</a:t>
             </a:fld>
             <a:endParaRPr lang="de-DE"/>
           </a:p>
@@ -2382,7 +2383,7 @@
           <a:p>
             <a:fld id="{0CFD6905-8642-D147-B9E1-0B96FE24F1DC}" type="datetimeFigureOut">
               <a:rPr lang="de-DE" smtClean="0"/>
-              <a:t>03.10.19</a:t>
+              <a:t>20.10.19</a:t>
             </a:fld>
             <a:endParaRPr lang="de-DE"/>
           </a:p>
@@ -2670,7 +2671,7 @@
           <a:p>
             <a:fld id="{0CFD6905-8642-D147-B9E1-0B96FE24F1DC}" type="datetimeFigureOut">
               <a:rPr lang="de-DE" smtClean="0"/>
-              <a:t>03.10.19</a:t>
+              <a:t>20.10.19</a:t>
             </a:fld>
             <a:endParaRPr lang="de-DE"/>
           </a:p>
@@ -2911,7 +2912,7 @@
           <a:p>
             <a:fld id="{0CFD6905-8642-D147-B9E1-0B96FE24F1DC}" type="datetimeFigureOut">
               <a:rPr lang="de-DE" smtClean="0"/>
-              <a:t>03.10.19</a:t>
+              <a:t>20.10.19</a:t>
             </a:fld>
             <a:endParaRPr lang="de-DE"/>
           </a:p>
@@ -4816,8 +4817,8 @@
           </a:p>
         </p:txBody>
       </p:sp>
-      <mc:AlternateContent xmlns:mc="http://schemas.openxmlformats.org/markup-compatibility/2006">
-        <mc:Choice xmlns:a14="http://schemas.microsoft.com/office/drawing/2010/main" Requires="a14">
+      <mc:AlternateContent xmlns:mc="http://schemas.openxmlformats.org/markup-compatibility/2006" xmlns:a14="http://schemas.microsoft.com/office/drawing/2010/main">
+        <mc:Choice Requires="a14">
           <p:sp>
             <p:nvSpPr>
               <p:cNvPr id="29" name="Textfeld 28">
@@ -4846,6 +4847,7 @@
               </a:bodyPr>
               <a:lstStyle/>
               <a:p>
+                <a:pPr/>
                 <a14:m>
                   <m:oMathPara xmlns:m="http://schemas.openxmlformats.org/officeDocument/2006/math">
                     <m:oMathParaPr>
@@ -4867,7 +4869,7 @@
             </p:txBody>
           </p:sp>
         </mc:Choice>
-        <mc:Fallback>
+        <mc:Fallback xmlns="">
           <p:sp>
             <p:nvSpPr>
               <p:cNvPr id="29" name="Textfeld 28">
@@ -4916,6 +4918,968 @@
     <p:extLst>
       <p:ext uri="{BB962C8B-B14F-4D97-AF65-F5344CB8AC3E}">
         <p14:creationId xmlns:p14="http://schemas.microsoft.com/office/powerpoint/2010/main" val="2531431808"/>
+      </p:ext>
+    </p:extLst>
+  </p:cSld>
+  <p:clrMapOvr>
+    <a:masterClrMapping/>
+  </p:clrMapOvr>
+</p:sld>
+</file>
+
+<file path=ppt/slides/slide4.xml><?xml version="1.0" encoding="utf-8"?>
+<p:sld xmlns:a="http://schemas.openxmlformats.org/drawingml/2006/main" xmlns:r="http://schemas.openxmlformats.org/officeDocument/2006/relationships" xmlns:p="http://schemas.openxmlformats.org/presentationml/2006/main">
+  <p:cSld>
+    <p:spTree>
+      <p:nvGrpSpPr>
+        <p:cNvPr id="1" name=""/>
+        <p:cNvGrpSpPr/>
+        <p:nvPr/>
+      </p:nvGrpSpPr>
+      <p:grpSpPr>
+        <a:xfrm>
+          <a:off x="0" y="0"/>
+          <a:ext cx="0" cy="0"/>
+          <a:chOff x="0" y="0"/>
+          <a:chExt cx="0" cy="0"/>
+        </a:xfrm>
+      </p:grpSpPr>
+      <p:sp>
+        <p:nvSpPr>
+          <p:cNvPr id="2" name="Oval 1">
+            <a:extLst>
+              <a:ext uri="{FF2B5EF4-FFF2-40B4-BE49-F238E27FC236}">
+                <a16:creationId xmlns:a16="http://schemas.microsoft.com/office/drawing/2014/main" id="{DB154C8C-1B5A-C344-9ED2-0E8CBD596F76}"/>
+              </a:ext>
+            </a:extLst>
+          </p:cNvPr>
+          <p:cNvSpPr/>
+          <p:nvPr/>
+        </p:nvSpPr>
+        <p:spPr>
+          <a:xfrm>
+            <a:off x="1766636" y="2971800"/>
+            <a:ext cx="1263316" cy="1251284"/>
+          </a:xfrm>
+          <a:prstGeom prst="ellipse">
+            <a:avLst/>
+          </a:prstGeom>
+        </p:spPr>
+        <p:style>
+          <a:lnRef idx="2">
+            <a:schemeClr val="accent1">
+              <a:shade val="50000"/>
+            </a:schemeClr>
+          </a:lnRef>
+          <a:fillRef idx="1">
+            <a:schemeClr val="accent1"/>
+          </a:fillRef>
+          <a:effectRef idx="0">
+            <a:schemeClr val="accent1"/>
+          </a:effectRef>
+          <a:fontRef idx="minor">
+            <a:schemeClr val="lt1"/>
+          </a:fontRef>
+        </p:style>
+        <p:txBody>
+          <a:bodyPr rtlCol="0" anchor="ctr"/>
+          <a:lstStyle/>
+          <a:p>
+            <a:pPr algn="ctr"/>
+            <a:r>
+              <a:rPr lang="de-DE" dirty="0"/>
+              <a:t>IH</a:t>
+            </a:r>
+          </a:p>
+        </p:txBody>
+      </p:sp>
+      <p:sp>
+        <p:nvSpPr>
+          <p:cNvPr id="3" name="Oval 2">
+            <a:extLst>
+              <a:ext uri="{FF2B5EF4-FFF2-40B4-BE49-F238E27FC236}">
+                <a16:creationId xmlns:a16="http://schemas.microsoft.com/office/drawing/2014/main" id="{ACC2FDA1-22DE-2B4B-B6CC-C30F6CA33701}"/>
+              </a:ext>
+            </a:extLst>
+          </p:cNvPr>
+          <p:cNvSpPr/>
+          <p:nvPr/>
+        </p:nvSpPr>
+        <p:spPr>
+          <a:xfrm>
+            <a:off x="4012535" y="2971800"/>
+            <a:ext cx="1263316" cy="1251284"/>
+          </a:xfrm>
+          <a:prstGeom prst="ellipse">
+            <a:avLst/>
+          </a:prstGeom>
+        </p:spPr>
+        <p:style>
+          <a:lnRef idx="2">
+            <a:schemeClr val="accent1">
+              <a:shade val="50000"/>
+            </a:schemeClr>
+          </a:lnRef>
+          <a:fillRef idx="1">
+            <a:schemeClr val="accent1"/>
+          </a:fillRef>
+          <a:effectRef idx="0">
+            <a:schemeClr val="accent1"/>
+          </a:effectRef>
+          <a:fontRef idx="minor">
+            <a:schemeClr val="lt1"/>
+          </a:fontRef>
+        </p:style>
+        <p:txBody>
+          <a:bodyPr rtlCol="0" anchor="ctr"/>
+          <a:lstStyle/>
+          <a:p>
+            <a:pPr algn="ctr"/>
+            <a:r>
+              <a:rPr lang="de-DE" dirty="0"/>
+              <a:t>DWD</a:t>
+            </a:r>
+          </a:p>
+        </p:txBody>
+      </p:sp>
+      <p:sp>
+        <p:nvSpPr>
+          <p:cNvPr id="4" name="Oval 3">
+            <a:extLst>
+              <a:ext uri="{FF2B5EF4-FFF2-40B4-BE49-F238E27FC236}">
+                <a16:creationId xmlns:a16="http://schemas.microsoft.com/office/drawing/2014/main" id="{556A1E2A-5D22-AF4B-85AC-00C0484901AB}"/>
+              </a:ext>
+            </a:extLst>
+          </p:cNvPr>
+          <p:cNvSpPr/>
+          <p:nvPr/>
+        </p:nvSpPr>
+        <p:spPr>
+          <a:xfrm>
+            <a:off x="6258434" y="2971800"/>
+            <a:ext cx="1263316" cy="1251284"/>
+          </a:xfrm>
+          <a:prstGeom prst="ellipse">
+            <a:avLst/>
+          </a:prstGeom>
+        </p:spPr>
+        <p:style>
+          <a:lnRef idx="2">
+            <a:schemeClr val="accent1">
+              <a:shade val="50000"/>
+            </a:schemeClr>
+          </a:lnRef>
+          <a:fillRef idx="1">
+            <a:schemeClr val="accent1"/>
+          </a:fillRef>
+          <a:effectRef idx="0">
+            <a:schemeClr val="accent1"/>
+          </a:effectRef>
+          <a:fontRef idx="minor">
+            <a:schemeClr val="lt1"/>
+          </a:fontRef>
+        </p:style>
+        <p:txBody>
+          <a:bodyPr rtlCol="0" anchor="ctr"/>
+          <a:lstStyle/>
+          <a:p>
+            <a:pPr algn="ctr"/>
+            <a:r>
+              <a:rPr lang="de-DE" dirty="0"/>
+              <a:t>GPS</a:t>
+            </a:r>
+          </a:p>
+        </p:txBody>
+      </p:sp>
+      <p:sp>
+        <p:nvSpPr>
+          <p:cNvPr id="5" name="Oval 4">
+            <a:extLst>
+              <a:ext uri="{FF2B5EF4-FFF2-40B4-BE49-F238E27FC236}">
+                <a16:creationId xmlns:a16="http://schemas.microsoft.com/office/drawing/2014/main" id="{1E87F132-6A67-D54F-AAE7-920B2B67ABFA}"/>
+              </a:ext>
+            </a:extLst>
+          </p:cNvPr>
+          <p:cNvSpPr/>
+          <p:nvPr/>
+        </p:nvSpPr>
+        <p:spPr>
+          <a:xfrm>
+            <a:off x="8504333" y="2971800"/>
+            <a:ext cx="1263316" cy="1251284"/>
+          </a:xfrm>
+          <a:prstGeom prst="ellipse">
+            <a:avLst/>
+          </a:prstGeom>
+        </p:spPr>
+        <p:style>
+          <a:lnRef idx="2">
+            <a:schemeClr val="accent1">
+              <a:shade val="50000"/>
+            </a:schemeClr>
+          </a:lnRef>
+          <a:fillRef idx="1">
+            <a:schemeClr val="accent1"/>
+          </a:fillRef>
+          <a:effectRef idx="0">
+            <a:schemeClr val="accent1"/>
+          </a:effectRef>
+          <a:fontRef idx="minor">
+            <a:schemeClr val="lt1"/>
+          </a:fontRef>
+        </p:style>
+        <p:txBody>
+          <a:bodyPr rtlCol="0" anchor="ctr"/>
+          <a:lstStyle/>
+          <a:p>
+            <a:pPr algn="ctr"/>
+            <a:r>
+              <a:rPr lang="de-DE" dirty="0"/>
+              <a:t>Vgl.</a:t>
+            </a:r>
+          </a:p>
+        </p:txBody>
+      </p:sp>
+      <p:cxnSp>
+        <p:nvCxnSpPr>
+          <p:cNvPr id="33" name="Gerade Verbindung mit Pfeil 32">
+            <a:extLst>
+              <a:ext uri="{FF2B5EF4-FFF2-40B4-BE49-F238E27FC236}">
+                <a16:creationId xmlns:a16="http://schemas.microsoft.com/office/drawing/2014/main" id="{F022D632-06D5-9740-8934-EF645FA56A9C}"/>
+              </a:ext>
+            </a:extLst>
+          </p:cNvPr>
+          <p:cNvCxnSpPr/>
+          <p:nvPr/>
+        </p:nvCxnSpPr>
+        <p:spPr>
+          <a:xfrm>
+            <a:off x="3029952" y="3429000"/>
+            <a:ext cx="982583" cy="0"/>
+          </a:xfrm>
+          <a:prstGeom prst="straightConnector1">
+            <a:avLst/>
+          </a:prstGeom>
+          <a:ln w="76200">
+            <a:solidFill>
+              <a:schemeClr val="tx1"/>
+            </a:solidFill>
+            <a:tailEnd type="triangle"/>
+          </a:ln>
+        </p:spPr>
+        <p:style>
+          <a:lnRef idx="1">
+            <a:schemeClr val="dk1"/>
+          </a:lnRef>
+          <a:fillRef idx="0">
+            <a:schemeClr val="dk1"/>
+          </a:fillRef>
+          <a:effectRef idx="0">
+            <a:schemeClr val="dk1"/>
+          </a:effectRef>
+          <a:fontRef idx="minor">
+            <a:schemeClr val="tx1"/>
+          </a:fontRef>
+        </p:style>
+      </p:cxnSp>
+      <p:cxnSp>
+        <p:nvCxnSpPr>
+          <p:cNvPr id="34" name="Gerade Verbindung mit Pfeil 33">
+            <a:extLst>
+              <a:ext uri="{FF2B5EF4-FFF2-40B4-BE49-F238E27FC236}">
+                <a16:creationId xmlns:a16="http://schemas.microsoft.com/office/drawing/2014/main" id="{08D18F99-D80C-CF4D-82A7-C23AC3A77753}"/>
+              </a:ext>
+            </a:extLst>
+          </p:cNvPr>
+          <p:cNvCxnSpPr/>
+          <p:nvPr/>
+        </p:nvCxnSpPr>
+        <p:spPr>
+          <a:xfrm>
+            <a:off x="5275851" y="3412958"/>
+            <a:ext cx="982583" cy="0"/>
+          </a:xfrm>
+          <a:prstGeom prst="straightConnector1">
+            <a:avLst/>
+          </a:prstGeom>
+          <a:ln w="76200">
+            <a:solidFill>
+              <a:schemeClr val="tx1"/>
+            </a:solidFill>
+            <a:tailEnd type="triangle"/>
+          </a:ln>
+        </p:spPr>
+        <p:style>
+          <a:lnRef idx="1">
+            <a:schemeClr val="dk1"/>
+          </a:lnRef>
+          <a:fillRef idx="0">
+            <a:schemeClr val="dk1"/>
+          </a:fillRef>
+          <a:effectRef idx="0">
+            <a:schemeClr val="dk1"/>
+          </a:effectRef>
+          <a:fontRef idx="minor">
+            <a:schemeClr val="tx1"/>
+          </a:fontRef>
+        </p:style>
+      </p:cxnSp>
+      <p:cxnSp>
+        <p:nvCxnSpPr>
+          <p:cNvPr id="35" name="Gerade Verbindung mit Pfeil 34">
+            <a:extLst>
+              <a:ext uri="{FF2B5EF4-FFF2-40B4-BE49-F238E27FC236}">
+                <a16:creationId xmlns:a16="http://schemas.microsoft.com/office/drawing/2014/main" id="{066684E5-1348-CB44-83F3-04A62AB90652}"/>
+              </a:ext>
+            </a:extLst>
+          </p:cNvPr>
+          <p:cNvCxnSpPr/>
+          <p:nvPr/>
+        </p:nvCxnSpPr>
+        <p:spPr>
+          <a:xfrm>
+            <a:off x="7521750" y="3396916"/>
+            <a:ext cx="982583" cy="0"/>
+          </a:xfrm>
+          <a:prstGeom prst="straightConnector1">
+            <a:avLst/>
+          </a:prstGeom>
+          <a:ln w="76200">
+            <a:solidFill>
+              <a:schemeClr val="tx1"/>
+            </a:solidFill>
+            <a:tailEnd type="triangle"/>
+          </a:ln>
+        </p:spPr>
+        <p:style>
+          <a:lnRef idx="1">
+            <a:schemeClr val="dk1"/>
+          </a:lnRef>
+          <a:fillRef idx="0">
+            <a:schemeClr val="dk1"/>
+          </a:fillRef>
+          <a:effectRef idx="0">
+            <a:schemeClr val="dk1"/>
+          </a:effectRef>
+          <a:fontRef idx="minor">
+            <a:schemeClr val="tx1"/>
+          </a:fontRef>
+        </p:style>
+      </p:cxnSp>
+      <p:cxnSp>
+        <p:nvCxnSpPr>
+          <p:cNvPr id="37" name="Gerade Verbindung mit Pfeil 36">
+            <a:extLst>
+              <a:ext uri="{FF2B5EF4-FFF2-40B4-BE49-F238E27FC236}">
+                <a16:creationId xmlns:a16="http://schemas.microsoft.com/office/drawing/2014/main" id="{8C3A1C3D-139E-0640-97AC-CBD5B5F68B90}"/>
+              </a:ext>
+            </a:extLst>
+          </p:cNvPr>
+          <p:cNvCxnSpPr>
+            <a:cxnSpLocks/>
+          </p:cNvCxnSpPr>
+          <p:nvPr/>
+        </p:nvCxnSpPr>
+        <p:spPr>
+          <a:xfrm flipH="1">
+            <a:off x="3029952" y="3701715"/>
+            <a:ext cx="982583" cy="0"/>
+          </a:xfrm>
+          <a:prstGeom prst="straightConnector1">
+            <a:avLst/>
+          </a:prstGeom>
+          <a:ln w="76200">
+            <a:solidFill>
+              <a:schemeClr val="tx1"/>
+            </a:solidFill>
+            <a:tailEnd type="triangle"/>
+          </a:ln>
+        </p:spPr>
+        <p:style>
+          <a:lnRef idx="1">
+            <a:schemeClr val="dk1"/>
+          </a:lnRef>
+          <a:fillRef idx="0">
+            <a:schemeClr val="dk1"/>
+          </a:fillRef>
+          <a:effectRef idx="0">
+            <a:schemeClr val="dk1"/>
+          </a:effectRef>
+          <a:fontRef idx="minor">
+            <a:schemeClr val="tx1"/>
+          </a:fontRef>
+        </p:style>
+      </p:cxnSp>
+      <p:cxnSp>
+        <p:nvCxnSpPr>
+          <p:cNvPr id="39" name="Gerade Verbindung mit Pfeil 38">
+            <a:extLst>
+              <a:ext uri="{FF2B5EF4-FFF2-40B4-BE49-F238E27FC236}">
+                <a16:creationId xmlns:a16="http://schemas.microsoft.com/office/drawing/2014/main" id="{FD35D7EE-D77A-5143-AC0B-0E6D86A353D5}"/>
+              </a:ext>
+            </a:extLst>
+          </p:cNvPr>
+          <p:cNvCxnSpPr>
+            <a:cxnSpLocks/>
+          </p:cNvCxnSpPr>
+          <p:nvPr/>
+        </p:nvCxnSpPr>
+        <p:spPr>
+          <a:xfrm flipH="1">
+            <a:off x="5275851" y="3701715"/>
+            <a:ext cx="982583" cy="0"/>
+          </a:xfrm>
+          <a:prstGeom prst="straightConnector1">
+            <a:avLst/>
+          </a:prstGeom>
+          <a:ln w="76200">
+            <a:solidFill>
+              <a:schemeClr val="tx1"/>
+            </a:solidFill>
+            <a:tailEnd type="triangle"/>
+          </a:ln>
+        </p:spPr>
+        <p:style>
+          <a:lnRef idx="1">
+            <a:schemeClr val="dk1"/>
+          </a:lnRef>
+          <a:fillRef idx="0">
+            <a:schemeClr val="dk1"/>
+          </a:fillRef>
+          <a:effectRef idx="0">
+            <a:schemeClr val="dk1"/>
+          </a:effectRef>
+          <a:fontRef idx="minor">
+            <a:schemeClr val="tx1"/>
+          </a:fontRef>
+        </p:style>
+      </p:cxnSp>
+      <p:cxnSp>
+        <p:nvCxnSpPr>
+          <p:cNvPr id="40" name="Gerade Verbindung mit Pfeil 39">
+            <a:extLst>
+              <a:ext uri="{FF2B5EF4-FFF2-40B4-BE49-F238E27FC236}">
+                <a16:creationId xmlns:a16="http://schemas.microsoft.com/office/drawing/2014/main" id="{4D797117-2098-9446-971B-342D7BCE9B15}"/>
+              </a:ext>
+            </a:extLst>
+          </p:cNvPr>
+          <p:cNvCxnSpPr>
+            <a:cxnSpLocks/>
+          </p:cNvCxnSpPr>
+          <p:nvPr/>
+        </p:nvCxnSpPr>
+        <p:spPr>
+          <a:xfrm flipH="1">
+            <a:off x="7521750" y="3701715"/>
+            <a:ext cx="982583" cy="0"/>
+          </a:xfrm>
+          <a:prstGeom prst="straightConnector1">
+            <a:avLst/>
+          </a:prstGeom>
+          <a:ln w="76200">
+            <a:solidFill>
+              <a:schemeClr val="tx1"/>
+            </a:solidFill>
+            <a:tailEnd type="triangle"/>
+          </a:ln>
+        </p:spPr>
+        <p:style>
+          <a:lnRef idx="1">
+            <a:schemeClr val="dk1"/>
+          </a:lnRef>
+          <a:fillRef idx="0">
+            <a:schemeClr val="dk1"/>
+          </a:fillRef>
+          <a:effectRef idx="0">
+            <a:schemeClr val="dk1"/>
+          </a:effectRef>
+          <a:fontRef idx="minor">
+            <a:schemeClr val="tx1"/>
+          </a:fontRef>
+        </p:style>
+      </p:cxnSp>
+      <p:sp>
+        <p:nvSpPr>
+          <p:cNvPr id="41" name="Textfeld 40">
+            <a:extLst>
+              <a:ext uri="{FF2B5EF4-FFF2-40B4-BE49-F238E27FC236}">
+                <a16:creationId xmlns:a16="http://schemas.microsoft.com/office/drawing/2014/main" id="{D0765741-E841-304A-9EEB-56038A527CA7}"/>
+              </a:ext>
+            </a:extLst>
+          </p:cNvPr>
+          <p:cNvSpPr txBox="1"/>
+          <p:nvPr/>
+        </p:nvSpPr>
+        <p:spPr>
+          <a:xfrm>
+            <a:off x="3362385" y="3765703"/>
+            <a:ext cx="317716" cy="369332"/>
+          </a:xfrm>
+          <a:prstGeom prst="rect">
+            <a:avLst/>
+          </a:prstGeom>
+          <a:noFill/>
+        </p:spPr>
+        <p:txBody>
+          <a:bodyPr wrap="none" rtlCol="0">
+            <a:spAutoFit/>
+          </a:bodyPr>
+          <a:lstStyle/>
+          <a:p>
+            <a:r>
+              <a:rPr lang="de-DE" dirty="0"/>
+              <a:t>A</a:t>
+            </a:r>
+          </a:p>
+        </p:txBody>
+      </p:sp>
+      <p:sp>
+        <p:nvSpPr>
+          <p:cNvPr id="42" name="Textfeld 41">
+            <a:extLst>
+              <a:ext uri="{FF2B5EF4-FFF2-40B4-BE49-F238E27FC236}">
+                <a16:creationId xmlns:a16="http://schemas.microsoft.com/office/drawing/2014/main" id="{46970905-8346-674A-8DAB-18F711210E6F}"/>
+              </a:ext>
+            </a:extLst>
+          </p:cNvPr>
+          <p:cNvSpPr txBox="1"/>
+          <p:nvPr/>
+        </p:nvSpPr>
+        <p:spPr>
+          <a:xfrm>
+            <a:off x="5608284" y="3765703"/>
+            <a:ext cx="317716" cy="369332"/>
+          </a:xfrm>
+          <a:prstGeom prst="rect">
+            <a:avLst/>
+          </a:prstGeom>
+          <a:noFill/>
+        </p:spPr>
+        <p:txBody>
+          <a:bodyPr wrap="none" rtlCol="0">
+            <a:spAutoFit/>
+          </a:bodyPr>
+          <a:lstStyle/>
+          <a:p>
+            <a:r>
+              <a:rPr lang="de-DE" dirty="0"/>
+              <a:t>A</a:t>
+            </a:r>
+          </a:p>
+        </p:txBody>
+      </p:sp>
+      <p:sp>
+        <p:nvSpPr>
+          <p:cNvPr id="43" name="Textfeld 42">
+            <a:extLst>
+              <a:ext uri="{FF2B5EF4-FFF2-40B4-BE49-F238E27FC236}">
+                <a16:creationId xmlns:a16="http://schemas.microsoft.com/office/drawing/2014/main" id="{3CB5FF19-8341-BC47-B32D-398DD1874D2E}"/>
+              </a:ext>
+            </a:extLst>
+          </p:cNvPr>
+          <p:cNvSpPr txBox="1"/>
+          <p:nvPr/>
+        </p:nvSpPr>
+        <p:spPr>
+          <a:xfrm>
+            <a:off x="7854183" y="3765703"/>
+            <a:ext cx="317716" cy="369332"/>
+          </a:xfrm>
+          <a:prstGeom prst="rect">
+            <a:avLst/>
+          </a:prstGeom>
+          <a:noFill/>
+        </p:spPr>
+        <p:txBody>
+          <a:bodyPr wrap="none" rtlCol="0">
+            <a:spAutoFit/>
+          </a:bodyPr>
+          <a:lstStyle/>
+          <a:p>
+            <a:r>
+              <a:rPr lang="de-DE" dirty="0"/>
+              <a:t>A</a:t>
+            </a:r>
+          </a:p>
+        </p:txBody>
+      </p:sp>
+      <p:sp>
+        <p:nvSpPr>
+          <p:cNvPr id="45" name="Textfeld 44">
+            <a:extLst>
+              <a:ext uri="{FF2B5EF4-FFF2-40B4-BE49-F238E27FC236}">
+                <a16:creationId xmlns:a16="http://schemas.microsoft.com/office/drawing/2014/main" id="{6E45FC69-97EA-9346-A8CE-67E2E4F308B0}"/>
+              </a:ext>
+            </a:extLst>
+          </p:cNvPr>
+          <p:cNvSpPr txBox="1"/>
+          <p:nvPr/>
+        </p:nvSpPr>
+        <p:spPr>
+          <a:xfrm>
+            <a:off x="3362385" y="2991672"/>
+            <a:ext cx="309700" cy="369332"/>
+          </a:xfrm>
+          <a:prstGeom prst="rect">
+            <a:avLst/>
+          </a:prstGeom>
+          <a:noFill/>
+        </p:spPr>
+        <p:txBody>
+          <a:bodyPr wrap="none" rtlCol="0">
+            <a:spAutoFit/>
+          </a:bodyPr>
+          <a:lstStyle/>
+          <a:p>
+            <a:r>
+              <a:rPr lang="de-DE" dirty="0"/>
+              <a:t>B</a:t>
+            </a:r>
+          </a:p>
+        </p:txBody>
+      </p:sp>
+      <p:sp>
+        <p:nvSpPr>
+          <p:cNvPr id="46" name="Textfeld 45">
+            <a:extLst>
+              <a:ext uri="{FF2B5EF4-FFF2-40B4-BE49-F238E27FC236}">
+                <a16:creationId xmlns:a16="http://schemas.microsoft.com/office/drawing/2014/main" id="{31DAED9C-9093-414E-A7E9-2D0B116F44D7}"/>
+              </a:ext>
+            </a:extLst>
+          </p:cNvPr>
+          <p:cNvSpPr txBox="1"/>
+          <p:nvPr/>
+        </p:nvSpPr>
+        <p:spPr>
+          <a:xfrm>
+            <a:off x="5608284" y="2987208"/>
+            <a:ext cx="309700" cy="369332"/>
+          </a:xfrm>
+          <a:prstGeom prst="rect">
+            <a:avLst/>
+          </a:prstGeom>
+          <a:noFill/>
+        </p:spPr>
+        <p:txBody>
+          <a:bodyPr wrap="none" rtlCol="0">
+            <a:spAutoFit/>
+          </a:bodyPr>
+          <a:lstStyle/>
+          <a:p>
+            <a:r>
+              <a:rPr lang="de-DE" dirty="0"/>
+              <a:t>B</a:t>
+            </a:r>
+          </a:p>
+        </p:txBody>
+      </p:sp>
+      <p:sp>
+        <p:nvSpPr>
+          <p:cNvPr id="47" name="Textfeld 46">
+            <a:extLst>
+              <a:ext uri="{FF2B5EF4-FFF2-40B4-BE49-F238E27FC236}">
+                <a16:creationId xmlns:a16="http://schemas.microsoft.com/office/drawing/2014/main" id="{CBEADCC4-BF12-0847-BFC8-4B318027D593}"/>
+              </a:ext>
+            </a:extLst>
+          </p:cNvPr>
+          <p:cNvSpPr txBox="1"/>
+          <p:nvPr/>
+        </p:nvSpPr>
+        <p:spPr>
+          <a:xfrm>
+            <a:off x="7854183" y="2982744"/>
+            <a:ext cx="309700" cy="369332"/>
+          </a:xfrm>
+          <a:prstGeom prst="rect">
+            <a:avLst/>
+          </a:prstGeom>
+          <a:noFill/>
+        </p:spPr>
+        <p:txBody>
+          <a:bodyPr wrap="none" rtlCol="0">
+            <a:spAutoFit/>
+          </a:bodyPr>
+          <a:lstStyle/>
+          <a:p>
+            <a:r>
+              <a:rPr lang="de-DE" dirty="0"/>
+              <a:t>B</a:t>
+            </a:r>
+          </a:p>
+        </p:txBody>
+      </p:sp>
+      <p:sp>
+        <p:nvSpPr>
+          <p:cNvPr id="50" name="Oval 49">
+            <a:extLst>
+              <a:ext uri="{FF2B5EF4-FFF2-40B4-BE49-F238E27FC236}">
+                <a16:creationId xmlns:a16="http://schemas.microsoft.com/office/drawing/2014/main" id="{C6077E47-FE8E-114A-BEDA-774580445063}"/>
+              </a:ext>
+            </a:extLst>
+          </p:cNvPr>
+          <p:cNvSpPr/>
+          <p:nvPr/>
+        </p:nvSpPr>
+        <p:spPr>
+          <a:xfrm>
+            <a:off x="2885577" y="513347"/>
+            <a:ext cx="1263316" cy="1251284"/>
+          </a:xfrm>
+          <a:prstGeom prst="ellipse">
+            <a:avLst/>
+          </a:prstGeom>
+          <a:solidFill>
+            <a:schemeClr val="accent2"/>
+          </a:solidFill>
+        </p:spPr>
+        <p:style>
+          <a:lnRef idx="2">
+            <a:schemeClr val="accent1">
+              <a:shade val="50000"/>
+            </a:schemeClr>
+          </a:lnRef>
+          <a:fillRef idx="1">
+            <a:schemeClr val="accent1"/>
+          </a:fillRef>
+          <a:effectRef idx="0">
+            <a:schemeClr val="accent1"/>
+          </a:effectRef>
+          <a:fontRef idx="minor">
+            <a:schemeClr val="lt1"/>
+          </a:fontRef>
+        </p:style>
+        <p:txBody>
+          <a:bodyPr rtlCol="0" anchor="ctr"/>
+          <a:lstStyle/>
+          <a:p>
+            <a:pPr algn="ctr"/>
+            <a:r>
+              <a:rPr lang="de-DE" dirty="0"/>
+              <a:t>Sensor-Fusion</a:t>
+            </a:r>
+          </a:p>
+        </p:txBody>
+      </p:sp>
+      <p:cxnSp>
+        <p:nvCxnSpPr>
+          <p:cNvPr id="51" name="Gerade Verbindung mit Pfeil 50">
+            <a:extLst>
+              <a:ext uri="{FF2B5EF4-FFF2-40B4-BE49-F238E27FC236}">
+                <a16:creationId xmlns:a16="http://schemas.microsoft.com/office/drawing/2014/main" id="{51AFC847-CFE2-4742-B819-DD7768B4427F}"/>
+              </a:ext>
+            </a:extLst>
+          </p:cNvPr>
+          <p:cNvCxnSpPr>
+            <a:cxnSpLocks/>
+            <a:endCxn id="50" idx="3"/>
+          </p:cNvCxnSpPr>
+          <p:nvPr/>
+        </p:nvCxnSpPr>
+        <p:spPr>
+          <a:xfrm flipV="1">
+            <a:off x="2379802" y="1581385"/>
+            <a:ext cx="690783" cy="1374374"/>
+          </a:xfrm>
+          <a:prstGeom prst="straightConnector1">
+            <a:avLst/>
+          </a:prstGeom>
+          <a:ln w="76200">
+            <a:solidFill>
+              <a:schemeClr val="tx1"/>
+            </a:solidFill>
+            <a:tailEnd type="triangle"/>
+          </a:ln>
+        </p:spPr>
+        <p:style>
+          <a:lnRef idx="1">
+            <a:schemeClr val="dk1"/>
+          </a:lnRef>
+          <a:fillRef idx="0">
+            <a:schemeClr val="dk1"/>
+          </a:fillRef>
+          <a:effectRef idx="0">
+            <a:schemeClr val="dk1"/>
+          </a:effectRef>
+          <a:fontRef idx="minor">
+            <a:schemeClr val="tx1"/>
+          </a:fontRef>
+        </p:style>
+      </p:cxnSp>
+      <p:sp>
+        <p:nvSpPr>
+          <p:cNvPr id="53" name="Textfeld 52">
+            <a:extLst>
+              <a:ext uri="{FF2B5EF4-FFF2-40B4-BE49-F238E27FC236}">
+                <a16:creationId xmlns:a16="http://schemas.microsoft.com/office/drawing/2014/main" id="{136E30E7-3CAC-4E42-8C46-06837AAC4E8B}"/>
+              </a:ext>
+            </a:extLst>
+          </p:cNvPr>
+          <p:cNvSpPr txBox="1"/>
+          <p:nvPr/>
+        </p:nvSpPr>
+        <p:spPr>
+          <a:xfrm>
+            <a:off x="2454645" y="2039410"/>
+            <a:ext cx="290464" cy="369332"/>
+          </a:xfrm>
+          <a:prstGeom prst="rect">
+            <a:avLst/>
+          </a:prstGeom>
+          <a:noFill/>
+        </p:spPr>
+        <p:txBody>
+          <a:bodyPr wrap="none" rtlCol="0">
+            <a:spAutoFit/>
+          </a:bodyPr>
+          <a:lstStyle/>
+          <a:p>
+            <a:r>
+              <a:rPr lang="de-DE" dirty="0"/>
+              <a:t>F</a:t>
+            </a:r>
+          </a:p>
+        </p:txBody>
+      </p:sp>
+      <p:cxnSp>
+        <p:nvCxnSpPr>
+          <p:cNvPr id="55" name="Gerade Verbindung mit Pfeil 54">
+            <a:extLst>
+              <a:ext uri="{FF2B5EF4-FFF2-40B4-BE49-F238E27FC236}">
+                <a16:creationId xmlns:a16="http://schemas.microsoft.com/office/drawing/2014/main" id="{EC3B6420-0E1C-2944-AE8A-8A08C74CF062}"/>
+              </a:ext>
+            </a:extLst>
+          </p:cNvPr>
+          <p:cNvCxnSpPr>
+            <a:cxnSpLocks/>
+            <a:endCxn id="50" idx="5"/>
+          </p:cNvCxnSpPr>
+          <p:nvPr/>
+        </p:nvCxnSpPr>
+        <p:spPr>
+          <a:xfrm flipH="1" flipV="1">
+            <a:off x="3963885" y="1581385"/>
+            <a:ext cx="661816" cy="1410288"/>
+          </a:xfrm>
+          <a:prstGeom prst="straightConnector1">
+            <a:avLst/>
+          </a:prstGeom>
+          <a:ln w="76200">
+            <a:solidFill>
+              <a:schemeClr val="tx1"/>
+            </a:solidFill>
+            <a:tailEnd type="triangle"/>
+          </a:ln>
+        </p:spPr>
+        <p:style>
+          <a:lnRef idx="1">
+            <a:schemeClr val="dk1"/>
+          </a:lnRef>
+          <a:fillRef idx="0">
+            <a:schemeClr val="dk1"/>
+          </a:fillRef>
+          <a:effectRef idx="0">
+            <a:schemeClr val="dk1"/>
+          </a:effectRef>
+          <a:fontRef idx="minor">
+            <a:schemeClr val="tx1"/>
+          </a:fontRef>
+        </p:style>
+      </p:cxnSp>
+      <p:sp>
+        <p:nvSpPr>
+          <p:cNvPr id="57" name="Textfeld 56">
+            <a:extLst>
+              <a:ext uri="{FF2B5EF4-FFF2-40B4-BE49-F238E27FC236}">
+                <a16:creationId xmlns:a16="http://schemas.microsoft.com/office/drawing/2014/main" id="{3E893954-2266-5F40-AD3A-84E9CF34772E}"/>
+              </a:ext>
+            </a:extLst>
+          </p:cNvPr>
+          <p:cNvSpPr txBox="1"/>
+          <p:nvPr/>
+        </p:nvSpPr>
+        <p:spPr>
+          <a:xfrm>
+            <a:off x="4248729" y="2032596"/>
+            <a:ext cx="290464" cy="369332"/>
+          </a:xfrm>
+          <a:prstGeom prst="rect">
+            <a:avLst/>
+          </a:prstGeom>
+          <a:noFill/>
+        </p:spPr>
+        <p:txBody>
+          <a:bodyPr wrap="none" rtlCol="0">
+            <a:spAutoFit/>
+          </a:bodyPr>
+          <a:lstStyle/>
+          <a:p>
+            <a:r>
+              <a:rPr lang="de-DE" dirty="0"/>
+              <a:t>F</a:t>
+            </a:r>
+          </a:p>
+        </p:txBody>
+      </p:sp>
+      <p:sp>
+        <p:nvSpPr>
+          <p:cNvPr id="66" name="Gebogener Pfeil 65">
+            <a:extLst>
+              <a:ext uri="{FF2B5EF4-FFF2-40B4-BE49-F238E27FC236}">
+                <a16:creationId xmlns:a16="http://schemas.microsoft.com/office/drawing/2014/main" id="{F56C640A-B7FE-A84C-8478-BEC367382414}"/>
+              </a:ext>
+            </a:extLst>
+          </p:cNvPr>
+          <p:cNvSpPr/>
+          <p:nvPr/>
+        </p:nvSpPr>
+        <p:spPr>
+          <a:xfrm rot="2515012">
+            <a:off x="3434495" y="142033"/>
+            <a:ext cx="1058779" cy="1251284"/>
+          </a:xfrm>
+          <a:prstGeom prst="circularArrow">
+            <a:avLst>
+              <a:gd name="adj1" fmla="val 5089"/>
+              <a:gd name="adj2" fmla="val 812982"/>
+              <a:gd name="adj3" fmla="val 21036457"/>
+              <a:gd name="adj4" fmla="val 10800000"/>
+              <a:gd name="adj5" fmla="val 9271"/>
+            </a:avLst>
+          </a:prstGeom>
+        </p:spPr>
+        <p:style>
+          <a:lnRef idx="2">
+            <a:schemeClr val="dk1">
+              <a:shade val="50000"/>
+            </a:schemeClr>
+          </a:lnRef>
+          <a:fillRef idx="1">
+            <a:schemeClr val="dk1"/>
+          </a:fillRef>
+          <a:effectRef idx="0">
+            <a:schemeClr val="dk1"/>
+          </a:effectRef>
+          <a:fontRef idx="minor">
+            <a:schemeClr val="lt1"/>
+          </a:fontRef>
+        </p:style>
+        <p:txBody>
+          <a:bodyPr rtlCol="0" anchor="ctr"/>
+          <a:lstStyle/>
+          <a:p>
+            <a:pPr algn="ctr"/>
+            <a:endParaRPr lang="de-DE">
+              <a:solidFill>
+                <a:schemeClr val="tx1"/>
+              </a:solidFill>
+            </a:endParaRPr>
+          </a:p>
+        </p:txBody>
+      </p:sp>
+    </p:spTree>
+    <p:extLst>
+      <p:ext uri="{BB962C8B-B14F-4D97-AF65-F5344CB8AC3E}">
+        <p14:creationId xmlns:p14="http://schemas.microsoft.com/office/powerpoint/2010/main" val="1966033276"/>
       </p:ext>
     </p:extLst>
   </p:cSld>

--- a/Texte/GPS.pptx
+++ b/Texte/GPS.pptx
@@ -262,7 +262,7 @@
           <a:p>
             <a:fld id="{0CFD6905-8642-D147-B9E1-0B96FE24F1DC}" type="datetimeFigureOut">
               <a:rPr lang="de-DE" smtClean="0"/>
-              <a:t>20.10.19</a:t>
+              <a:t>04.11.19</a:t>
             </a:fld>
             <a:endParaRPr lang="de-DE"/>
           </a:p>
@@ -460,7 +460,7 @@
           <a:p>
             <a:fld id="{0CFD6905-8642-D147-B9E1-0B96FE24F1DC}" type="datetimeFigureOut">
               <a:rPr lang="de-DE" smtClean="0"/>
-              <a:t>20.10.19</a:t>
+              <a:t>04.11.19</a:t>
             </a:fld>
             <a:endParaRPr lang="de-DE"/>
           </a:p>
@@ -668,7 +668,7 @@
           <a:p>
             <a:fld id="{0CFD6905-8642-D147-B9E1-0B96FE24F1DC}" type="datetimeFigureOut">
               <a:rPr lang="de-DE" smtClean="0"/>
-              <a:t>20.10.19</a:t>
+              <a:t>04.11.19</a:t>
             </a:fld>
             <a:endParaRPr lang="de-DE"/>
           </a:p>
@@ -866,7 +866,7 @@
           <a:p>
             <a:fld id="{0CFD6905-8642-D147-B9E1-0B96FE24F1DC}" type="datetimeFigureOut">
               <a:rPr lang="de-DE" smtClean="0"/>
-              <a:t>20.10.19</a:t>
+              <a:t>04.11.19</a:t>
             </a:fld>
             <a:endParaRPr lang="de-DE"/>
           </a:p>
@@ -1141,7 +1141,7 @@
           <a:p>
             <a:fld id="{0CFD6905-8642-D147-B9E1-0B96FE24F1DC}" type="datetimeFigureOut">
               <a:rPr lang="de-DE" smtClean="0"/>
-              <a:t>20.10.19</a:t>
+              <a:t>04.11.19</a:t>
             </a:fld>
             <a:endParaRPr lang="de-DE"/>
           </a:p>
@@ -1406,7 +1406,7 @@
           <a:p>
             <a:fld id="{0CFD6905-8642-D147-B9E1-0B96FE24F1DC}" type="datetimeFigureOut">
               <a:rPr lang="de-DE" smtClean="0"/>
-              <a:t>20.10.19</a:t>
+              <a:t>04.11.19</a:t>
             </a:fld>
             <a:endParaRPr lang="de-DE"/>
           </a:p>
@@ -1818,7 +1818,7 @@
           <a:p>
             <a:fld id="{0CFD6905-8642-D147-B9E1-0B96FE24F1DC}" type="datetimeFigureOut">
               <a:rPr lang="de-DE" smtClean="0"/>
-              <a:t>20.10.19</a:t>
+              <a:t>04.11.19</a:t>
             </a:fld>
             <a:endParaRPr lang="de-DE"/>
           </a:p>
@@ -1959,7 +1959,7 @@
           <a:p>
             <a:fld id="{0CFD6905-8642-D147-B9E1-0B96FE24F1DC}" type="datetimeFigureOut">
               <a:rPr lang="de-DE" smtClean="0"/>
-              <a:t>20.10.19</a:t>
+              <a:t>04.11.19</a:t>
             </a:fld>
             <a:endParaRPr lang="de-DE"/>
           </a:p>
@@ -2072,7 +2072,7 @@
           <a:p>
             <a:fld id="{0CFD6905-8642-D147-B9E1-0B96FE24F1DC}" type="datetimeFigureOut">
               <a:rPr lang="de-DE" smtClean="0"/>
-              <a:t>20.10.19</a:t>
+              <a:t>04.11.19</a:t>
             </a:fld>
             <a:endParaRPr lang="de-DE"/>
           </a:p>
@@ -2383,7 +2383,7 @@
           <a:p>
             <a:fld id="{0CFD6905-8642-D147-B9E1-0B96FE24F1DC}" type="datetimeFigureOut">
               <a:rPr lang="de-DE" smtClean="0"/>
-              <a:t>20.10.19</a:t>
+              <a:t>04.11.19</a:t>
             </a:fld>
             <a:endParaRPr lang="de-DE"/>
           </a:p>
@@ -2671,7 +2671,7 @@
           <a:p>
             <a:fld id="{0CFD6905-8642-D147-B9E1-0B96FE24F1DC}" type="datetimeFigureOut">
               <a:rPr lang="de-DE" smtClean="0"/>
-              <a:t>20.10.19</a:t>
+              <a:t>04.11.19</a:t>
             </a:fld>
             <a:endParaRPr lang="de-DE"/>
           </a:p>
@@ -2912,7 +2912,7 @@
           <a:p>
             <a:fld id="{0CFD6905-8642-D147-B9E1-0B96FE24F1DC}" type="datetimeFigureOut">
               <a:rPr lang="de-DE" smtClean="0"/>
-              <a:t>20.10.19</a:t>
+              <a:t>04.11.19</a:t>
             </a:fld>
             <a:endParaRPr lang="de-DE"/>
           </a:p>
@@ -3661,6 +3661,42 @@
           </a:p>
         </p:txBody>
       </p:sp>
+      <p:pic>
+        <p:nvPicPr>
+          <p:cNvPr id="11" name="Grafik 10" descr="Markierung">
+            <a:extLst>
+              <a:ext uri="{FF2B5EF4-FFF2-40B4-BE49-F238E27FC236}">
+                <a16:creationId xmlns:a16="http://schemas.microsoft.com/office/drawing/2014/main" id="{945A79CE-40E9-1B40-B2B1-A81CE5DCC0CD}"/>
+              </a:ext>
+            </a:extLst>
+          </p:cNvPr>
+          <p:cNvPicPr>
+            <a:picLocks noChangeAspect="1"/>
+          </p:cNvPicPr>
+          <p:nvPr/>
+        </p:nvPicPr>
+        <p:blipFill>
+          <a:blip r:embed="rId4">
+            <a:extLst>
+              <a:ext uri="{96DAC541-7B7A-43D3-8B79-37D633B846F1}">
+                <asvg:svgBlip xmlns:asvg="http://schemas.microsoft.com/office/drawing/2016/SVG/main" r:embed="rId5"/>
+              </a:ext>
+            </a:extLst>
+          </a:blip>
+          <a:stretch>
+            <a:fillRect/>
+          </a:stretch>
+        </p:blipFill>
+        <p:spPr>
+          <a:xfrm>
+            <a:off x="5358861" y="683100"/>
+            <a:ext cx="914400" cy="914400"/>
+          </a:xfrm>
+          <a:prstGeom prst="rect">
+            <a:avLst/>
+          </a:prstGeom>
+        </p:spPr>
+      </p:pic>
     </p:spTree>
     <p:extLst>
       <p:ext uri="{BB962C8B-B14F-4D97-AF65-F5344CB8AC3E}">

--- a/Texte/GPS.pptx
+++ b/Texte/GPS.pptx
@@ -9,6 +9,7 @@
     <p:sldId id="257" r:id="rId3"/>
     <p:sldId id="258" r:id="rId4"/>
     <p:sldId id="259" r:id="rId5"/>
+    <p:sldId id="260" r:id="rId6"/>
   </p:sldIdLst>
   <p:sldSz cx="12192000" cy="6858000"/>
   <p:notesSz cx="6858000" cy="9144000"/>
@@ -262,7 +263,7 @@
           <a:p>
             <a:fld id="{0CFD6905-8642-D147-B9E1-0B96FE24F1DC}" type="datetimeFigureOut">
               <a:rPr lang="de-DE" smtClean="0"/>
-              <a:t>04.11.19</a:t>
+              <a:t>12.11.19</a:t>
             </a:fld>
             <a:endParaRPr lang="de-DE"/>
           </a:p>
@@ -460,7 +461,7 @@
           <a:p>
             <a:fld id="{0CFD6905-8642-D147-B9E1-0B96FE24F1DC}" type="datetimeFigureOut">
               <a:rPr lang="de-DE" smtClean="0"/>
-              <a:t>04.11.19</a:t>
+              <a:t>12.11.19</a:t>
             </a:fld>
             <a:endParaRPr lang="de-DE"/>
           </a:p>
@@ -668,7 +669,7 @@
           <a:p>
             <a:fld id="{0CFD6905-8642-D147-B9E1-0B96FE24F1DC}" type="datetimeFigureOut">
               <a:rPr lang="de-DE" smtClean="0"/>
-              <a:t>04.11.19</a:t>
+              <a:t>12.11.19</a:t>
             </a:fld>
             <a:endParaRPr lang="de-DE"/>
           </a:p>
@@ -866,7 +867,7 @@
           <a:p>
             <a:fld id="{0CFD6905-8642-D147-B9E1-0B96FE24F1DC}" type="datetimeFigureOut">
               <a:rPr lang="de-DE" smtClean="0"/>
-              <a:t>04.11.19</a:t>
+              <a:t>12.11.19</a:t>
             </a:fld>
             <a:endParaRPr lang="de-DE"/>
           </a:p>
@@ -1141,7 +1142,7 @@
           <a:p>
             <a:fld id="{0CFD6905-8642-D147-B9E1-0B96FE24F1DC}" type="datetimeFigureOut">
               <a:rPr lang="de-DE" smtClean="0"/>
-              <a:t>04.11.19</a:t>
+              <a:t>12.11.19</a:t>
             </a:fld>
             <a:endParaRPr lang="de-DE"/>
           </a:p>
@@ -1406,7 +1407,7 @@
           <a:p>
             <a:fld id="{0CFD6905-8642-D147-B9E1-0B96FE24F1DC}" type="datetimeFigureOut">
               <a:rPr lang="de-DE" smtClean="0"/>
-              <a:t>04.11.19</a:t>
+              <a:t>12.11.19</a:t>
             </a:fld>
             <a:endParaRPr lang="de-DE"/>
           </a:p>
@@ -1818,7 +1819,7 @@
           <a:p>
             <a:fld id="{0CFD6905-8642-D147-B9E1-0B96FE24F1DC}" type="datetimeFigureOut">
               <a:rPr lang="de-DE" smtClean="0"/>
-              <a:t>04.11.19</a:t>
+              <a:t>12.11.19</a:t>
             </a:fld>
             <a:endParaRPr lang="de-DE"/>
           </a:p>
@@ -1959,7 +1960,7 @@
           <a:p>
             <a:fld id="{0CFD6905-8642-D147-B9E1-0B96FE24F1DC}" type="datetimeFigureOut">
               <a:rPr lang="de-DE" smtClean="0"/>
-              <a:t>04.11.19</a:t>
+              <a:t>12.11.19</a:t>
             </a:fld>
             <a:endParaRPr lang="de-DE"/>
           </a:p>
@@ -2072,7 +2073,7 @@
           <a:p>
             <a:fld id="{0CFD6905-8642-D147-B9E1-0B96FE24F1DC}" type="datetimeFigureOut">
               <a:rPr lang="de-DE" smtClean="0"/>
-              <a:t>04.11.19</a:t>
+              <a:t>12.11.19</a:t>
             </a:fld>
             <a:endParaRPr lang="de-DE"/>
           </a:p>
@@ -2383,7 +2384,7 @@
           <a:p>
             <a:fld id="{0CFD6905-8642-D147-B9E1-0B96FE24F1DC}" type="datetimeFigureOut">
               <a:rPr lang="de-DE" smtClean="0"/>
-              <a:t>04.11.19</a:t>
+              <a:t>12.11.19</a:t>
             </a:fld>
             <a:endParaRPr lang="de-DE"/>
           </a:p>
@@ -2671,7 +2672,7 @@
           <a:p>
             <a:fld id="{0CFD6905-8642-D147-B9E1-0B96FE24F1DC}" type="datetimeFigureOut">
               <a:rPr lang="de-DE" smtClean="0"/>
-              <a:t>04.11.19</a:t>
+              <a:t>12.11.19</a:t>
             </a:fld>
             <a:endParaRPr lang="de-DE"/>
           </a:p>
@@ -2912,7 +2913,7 @@
           <a:p>
             <a:fld id="{0CFD6905-8642-D147-B9E1-0B96FE24F1DC}" type="datetimeFigureOut">
               <a:rPr lang="de-DE" smtClean="0"/>
-              <a:t>04.11.19</a:t>
+              <a:t>12.11.19</a:t>
             </a:fld>
             <a:endParaRPr lang="de-DE"/>
           </a:p>
@@ -5925,6 +5926,85 @@
 </p:sld>
 </file>
 
+<file path=ppt/slides/slide5.xml><?xml version="1.0" encoding="utf-8"?>
+<p:sld xmlns:a="http://schemas.openxmlformats.org/drawingml/2006/main" xmlns:r="http://schemas.openxmlformats.org/officeDocument/2006/relationships" xmlns:p="http://schemas.openxmlformats.org/presentationml/2006/main">
+  <p:cSld>
+    <p:spTree>
+      <p:nvGrpSpPr>
+        <p:cNvPr id="1" name=""/>
+        <p:cNvGrpSpPr/>
+        <p:nvPr/>
+      </p:nvGrpSpPr>
+      <p:grpSpPr>
+        <a:xfrm>
+          <a:off x="0" y="0"/>
+          <a:ext cx="0" cy="0"/>
+          <a:chOff x="0" y="0"/>
+          <a:chExt cx="0" cy="0"/>
+        </a:xfrm>
+      </p:grpSpPr>
+      <p:sp>
+        <p:nvSpPr>
+          <p:cNvPr id="2" name="Rechteck 1">
+            <a:extLst>
+              <a:ext uri="{FF2B5EF4-FFF2-40B4-BE49-F238E27FC236}">
+                <a16:creationId xmlns:a16="http://schemas.microsoft.com/office/drawing/2014/main" id="{C2153EE7-423F-8642-A699-3DE8A724AD5F}"/>
+              </a:ext>
+            </a:extLst>
+          </p:cNvPr>
+          <p:cNvSpPr/>
+          <p:nvPr/>
+        </p:nvSpPr>
+        <p:spPr>
+          <a:xfrm>
+            <a:off x="4399547" y="2616868"/>
+            <a:ext cx="3392905" cy="1624263"/>
+          </a:xfrm>
+          <a:prstGeom prst="rect">
+            <a:avLst/>
+          </a:prstGeom>
+        </p:spPr>
+        <p:style>
+          <a:lnRef idx="2">
+            <a:schemeClr val="accent1">
+              <a:shade val="50000"/>
+            </a:schemeClr>
+          </a:lnRef>
+          <a:fillRef idx="1">
+            <a:schemeClr val="accent1"/>
+          </a:fillRef>
+          <a:effectRef idx="0">
+            <a:schemeClr val="accent1"/>
+          </a:effectRef>
+          <a:fontRef idx="minor">
+            <a:schemeClr val="lt1"/>
+          </a:fontRef>
+        </p:style>
+        <p:txBody>
+          <a:bodyPr rtlCol="0" anchor="ctr"/>
+          <a:lstStyle/>
+          <a:p>
+            <a:pPr algn="ctr"/>
+            <a:r>
+              <a:rPr lang="de-DE" dirty="0"/>
+              <a:t>Schätzer</a:t>
+            </a:r>
+          </a:p>
+        </p:txBody>
+      </p:sp>
+    </p:spTree>
+    <p:extLst>
+      <p:ext uri="{BB962C8B-B14F-4D97-AF65-F5344CB8AC3E}">
+        <p14:creationId xmlns:p14="http://schemas.microsoft.com/office/powerpoint/2010/main" val="3401525221"/>
+      </p:ext>
+    </p:extLst>
+  </p:cSld>
+  <p:clrMapOvr>
+    <a:masterClrMapping/>
+  </p:clrMapOvr>
+</p:sld>
+</file>
+
 <file path=ppt/theme/theme1.xml><?xml version="1.0" encoding="utf-8"?>
 <a:theme xmlns:a="http://schemas.openxmlformats.org/drawingml/2006/main" name="Office">
   <a:themeElements>

--- a/Texte/GPS.pptx
+++ b/Texte/GPS.pptx
@@ -4981,938 +4981,6 @@
           <a:chExt cx="0" cy="0"/>
         </a:xfrm>
       </p:grpSpPr>
-      <p:sp>
-        <p:nvSpPr>
-          <p:cNvPr id="2" name="Oval 1">
-            <a:extLst>
-              <a:ext uri="{FF2B5EF4-FFF2-40B4-BE49-F238E27FC236}">
-                <a16:creationId xmlns:a16="http://schemas.microsoft.com/office/drawing/2014/main" id="{DB154C8C-1B5A-C344-9ED2-0E8CBD596F76}"/>
-              </a:ext>
-            </a:extLst>
-          </p:cNvPr>
-          <p:cNvSpPr/>
-          <p:nvPr/>
-        </p:nvSpPr>
-        <p:spPr>
-          <a:xfrm>
-            <a:off x="1766636" y="2971800"/>
-            <a:ext cx="1263316" cy="1251284"/>
-          </a:xfrm>
-          <a:prstGeom prst="ellipse">
-            <a:avLst/>
-          </a:prstGeom>
-        </p:spPr>
-        <p:style>
-          <a:lnRef idx="2">
-            <a:schemeClr val="accent1">
-              <a:shade val="50000"/>
-            </a:schemeClr>
-          </a:lnRef>
-          <a:fillRef idx="1">
-            <a:schemeClr val="accent1"/>
-          </a:fillRef>
-          <a:effectRef idx="0">
-            <a:schemeClr val="accent1"/>
-          </a:effectRef>
-          <a:fontRef idx="minor">
-            <a:schemeClr val="lt1"/>
-          </a:fontRef>
-        </p:style>
-        <p:txBody>
-          <a:bodyPr rtlCol="0" anchor="ctr"/>
-          <a:lstStyle/>
-          <a:p>
-            <a:pPr algn="ctr"/>
-            <a:r>
-              <a:rPr lang="de-DE" dirty="0"/>
-              <a:t>IH</a:t>
-            </a:r>
-          </a:p>
-        </p:txBody>
-      </p:sp>
-      <p:sp>
-        <p:nvSpPr>
-          <p:cNvPr id="3" name="Oval 2">
-            <a:extLst>
-              <a:ext uri="{FF2B5EF4-FFF2-40B4-BE49-F238E27FC236}">
-                <a16:creationId xmlns:a16="http://schemas.microsoft.com/office/drawing/2014/main" id="{ACC2FDA1-22DE-2B4B-B6CC-C30F6CA33701}"/>
-              </a:ext>
-            </a:extLst>
-          </p:cNvPr>
-          <p:cNvSpPr/>
-          <p:nvPr/>
-        </p:nvSpPr>
-        <p:spPr>
-          <a:xfrm>
-            <a:off x="4012535" y="2971800"/>
-            <a:ext cx="1263316" cy="1251284"/>
-          </a:xfrm>
-          <a:prstGeom prst="ellipse">
-            <a:avLst/>
-          </a:prstGeom>
-        </p:spPr>
-        <p:style>
-          <a:lnRef idx="2">
-            <a:schemeClr val="accent1">
-              <a:shade val="50000"/>
-            </a:schemeClr>
-          </a:lnRef>
-          <a:fillRef idx="1">
-            <a:schemeClr val="accent1"/>
-          </a:fillRef>
-          <a:effectRef idx="0">
-            <a:schemeClr val="accent1"/>
-          </a:effectRef>
-          <a:fontRef idx="minor">
-            <a:schemeClr val="lt1"/>
-          </a:fontRef>
-        </p:style>
-        <p:txBody>
-          <a:bodyPr rtlCol="0" anchor="ctr"/>
-          <a:lstStyle/>
-          <a:p>
-            <a:pPr algn="ctr"/>
-            <a:r>
-              <a:rPr lang="de-DE" dirty="0"/>
-              <a:t>DWD</a:t>
-            </a:r>
-          </a:p>
-        </p:txBody>
-      </p:sp>
-      <p:sp>
-        <p:nvSpPr>
-          <p:cNvPr id="4" name="Oval 3">
-            <a:extLst>
-              <a:ext uri="{FF2B5EF4-FFF2-40B4-BE49-F238E27FC236}">
-                <a16:creationId xmlns:a16="http://schemas.microsoft.com/office/drawing/2014/main" id="{556A1E2A-5D22-AF4B-85AC-00C0484901AB}"/>
-              </a:ext>
-            </a:extLst>
-          </p:cNvPr>
-          <p:cNvSpPr/>
-          <p:nvPr/>
-        </p:nvSpPr>
-        <p:spPr>
-          <a:xfrm>
-            <a:off x="6258434" y="2971800"/>
-            <a:ext cx="1263316" cy="1251284"/>
-          </a:xfrm>
-          <a:prstGeom prst="ellipse">
-            <a:avLst/>
-          </a:prstGeom>
-        </p:spPr>
-        <p:style>
-          <a:lnRef idx="2">
-            <a:schemeClr val="accent1">
-              <a:shade val="50000"/>
-            </a:schemeClr>
-          </a:lnRef>
-          <a:fillRef idx="1">
-            <a:schemeClr val="accent1"/>
-          </a:fillRef>
-          <a:effectRef idx="0">
-            <a:schemeClr val="accent1"/>
-          </a:effectRef>
-          <a:fontRef idx="minor">
-            <a:schemeClr val="lt1"/>
-          </a:fontRef>
-        </p:style>
-        <p:txBody>
-          <a:bodyPr rtlCol="0" anchor="ctr"/>
-          <a:lstStyle/>
-          <a:p>
-            <a:pPr algn="ctr"/>
-            <a:r>
-              <a:rPr lang="de-DE" dirty="0"/>
-              <a:t>GPS</a:t>
-            </a:r>
-          </a:p>
-        </p:txBody>
-      </p:sp>
-      <p:sp>
-        <p:nvSpPr>
-          <p:cNvPr id="5" name="Oval 4">
-            <a:extLst>
-              <a:ext uri="{FF2B5EF4-FFF2-40B4-BE49-F238E27FC236}">
-                <a16:creationId xmlns:a16="http://schemas.microsoft.com/office/drawing/2014/main" id="{1E87F132-6A67-D54F-AAE7-920B2B67ABFA}"/>
-              </a:ext>
-            </a:extLst>
-          </p:cNvPr>
-          <p:cNvSpPr/>
-          <p:nvPr/>
-        </p:nvSpPr>
-        <p:spPr>
-          <a:xfrm>
-            <a:off x="8504333" y="2971800"/>
-            <a:ext cx="1263316" cy="1251284"/>
-          </a:xfrm>
-          <a:prstGeom prst="ellipse">
-            <a:avLst/>
-          </a:prstGeom>
-        </p:spPr>
-        <p:style>
-          <a:lnRef idx="2">
-            <a:schemeClr val="accent1">
-              <a:shade val="50000"/>
-            </a:schemeClr>
-          </a:lnRef>
-          <a:fillRef idx="1">
-            <a:schemeClr val="accent1"/>
-          </a:fillRef>
-          <a:effectRef idx="0">
-            <a:schemeClr val="accent1"/>
-          </a:effectRef>
-          <a:fontRef idx="minor">
-            <a:schemeClr val="lt1"/>
-          </a:fontRef>
-        </p:style>
-        <p:txBody>
-          <a:bodyPr rtlCol="0" anchor="ctr"/>
-          <a:lstStyle/>
-          <a:p>
-            <a:pPr algn="ctr"/>
-            <a:r>
-              <a:rPr lang="de-DE" dirty="0"/>
-              <a:t>Vgl.</a:t>
-            </a:r>
-          </a:p>
-        </p:txBody>
-      </p:sp>
-      <p:cxnSp>
-        <p:nvCxnSpPr>
-          <p:cNvPr id="33" name="Gerade Verbindung mit Pfeil 32">
-            <a:extLst>
-              <a:ext uri="{FF2B5EF4-FFF2-40B4-BE49-F238E27FC236}">
-                <a16:creationId xmlns:a16="http://schemas.microsoft.com/office/drawing/2014/main" id="{F022D632-06D5-9740-8934-EF645FA56A9C}"/>
-              </a:ext>
-            </a:extLst>
-          </p:cNvPr>
-          <p:cNvCxnSpPr/>
-          <p:nvPr/>
-        </p:nvCxnSpPr>
-        <p:spPr>
-          <a:xfrm>
-            <a:off x="3029952" y="3429000"/>
-            <a:ext cx="982583" cy="0"/>
-          </a:xfrm>
-          <a:prstGeom prst="straightConnector1">
-            <a:avLst/>
-          </a:prstGeom>
-          <a:ln w="76200">
-            <a:solidFill>
-              <a:schemeClr val="tx1"/>
-            </a:solidFill>
-            <a:tailEnd type="triangle"/>
-          </a:ln>
-        </p:spPr>
-        <p:style>
-          <a:lnRef idx="1">
-            <a:schemeClr val="dk1"/>
-          </a:lnRef>
-          <a:fillRef idx="0">
-            <a:schemeClr val="dk1"/>
-          </a:fillRef>
-          <a:effectRef idx="0">
-            <a:schemeClr val="dk1"/>
-          </a:effectRef>
-          <a:fontRef idx="minor">
-            <a:schemeClr val="tx1"/>
-          </a:fontRef>
-        </p:style>
-      </p:cxnSp>
-      <p:cxnSp>
-        <p:nvCxnSpPr>
-          <p:cNvPr id="34" name="Gerade Verbindung mit Pfeil 33">
-            <a:extLst>
-              <a:ext uri="{FF2B5EF4-FFF2-40B4-BE49-F238E27FC236}">
-                <a16:creationId xmlns:a16="http://schemas.microsoft.com/office/drawing/2014/main" id="{08D18F99-D80C-CF4D-82A7-C23AC3A77753}"/>
-              </a:ext>
-            </a:extLst>
-          </p:cNvPr>
-          <p:cNvCxnSpPr/>
-          <p:nvPr/>
-        </p:nvCxnSpPr>
-        <p:spPr>
-          <a:xfrm>
-            <a:off x="5275851" y="3412958"/>
-            <a:ext cx="982583" cy="0"/>
-          </a:xfrm>
-          <a:prstGeom prst="straightConnector1">
-            <a:avLst/>
-          </a:prstGeom>
-          <a:ln w="76200">
-            <a:solidFill>
-              <a:schemeClr val="tx1"/>
-            </a:solidFill>
-            <a:tailEnd type="triangle"/>
-          </a:ln>
-        </p:spPr>
-        <p:style>
-          <a:lnRef idx="1">
-            <a:schemeClr val="dk1"/>
-          </a:lnRef>
-          <a:fillRef idx="0">
-            <a:schemeClr val="dk1"/>
-          </a:fillRef>
-          <a:effectRef idx="0">
-            <a:schemeClr val="dk1"/>
-          </a:effectRef>
-          <a:fontRef idx="minor">
-            <a:schemeClr val="tx1"/>
-          </a:fontRef>
-        </p:style>
-      </p:cxnSp>
-      <p:cxnSp>
-        <p:nvCxnSpPr>
-          <p:cNvPr id="35" name="Gerade Verbindung mit Pfeil 34">
-            <a:extLst>
-              <a:ext uri="{FF2B5EF4-FFF2-40B4-BE49-F238E27FC236}">
-                <a16:creationId xmlns:a16="http://schemas.microsoft.com/office/drawing/2014/main" id="{066684E5-1348-CB44-83F3-04A62AB90652}"/>
-              </a:ext>
-            </a:extLst>
-          </p:cNvPr>
-          <p:cNvCxnSpPr/>
-          <p:nvPr/>
-        </p:nvCxnSpPr>
-        <p:spPr>
-          <a:xfrm>
-            <a:off x="7521750" y="3396916"/>
-            <a:ext cx="982583" cy="0"/>
-          </a:xfrm>
-          <a:prstGeom prst="straightConnector1">
-            <a:avLst/>
-          </a:prstGeom>
-          <a:ln w="76200">
-            <a:solidFill>
-              <a:schemeClr val="tx1"/>
-            </a:solidFill>
-            <a:tailEnd type="triangle"/>
-          </a:ln>
-        </p:spPr>
-        <p:style>
-          <a:lnRef idx="1">
-            <a:schemeClr val="dk1"/>
-          </a:lnRef>
-          <a:fillRef idx="0">
-            <a:schemeClr val="dk1"/>
-          </a:fillRef>
-          <a:effectRef idx="0">
-            <a:schemeClr val="dk1"/>
-          </a:effectRef>
-          <a:fontRef idx="minor">
-            <a:schemeClr val="tx1"/>
-          </a:fontRef>
-        </p:style>
-      </p:cxnSp>
-      <p:cxnSp>
-        <p:nvCxnSpPr>
-          <p:cNvPr id="37" name="Gerade Verbindung mit Pfeil 36">
-            <a:extLst>
-              <a:ext uri="{FF2B5EF4-FFF2-40B4-BE49-F238E27FC236}">
-                <a16:creationId xmlns:a16="http://schemas.microsoft.com/office/drawing/2014/main" id="{8C3A1C3D-139E-0640-97AC-CBD5B5F68B90}"/>
-              </a:ext>
-            </a:extLst>
-          </p:cNvPr>
-          <p:cNvCxnSpPr>
-            <a:cxnSpLocks/>
-          </p:cNvCxnSpPr>
-          <p:nvPr/>
-        </p:nvCxnSpPr>
-        <p:spPr>
-          <a:xfrm flipH="1">
-            <a:off x="3029952" y="3701715"/>
-            <a:ext cx="982583" cy="0"/>
-          </a:xfrm>
-          <a:prstGeom prst="straightConnector1">
-            <a:avLst/>
-          </a:prstGeom>
-          <a:ln w="76200">
-            <a:solidFill>
-              <a:schemeClr val="tx1"/>
-            </a:solidFill>
-            <a:tailEnd type="triangle"/>
-          </a:ln>
-        </p:spPr>
-        <p:style>
-          <a:lnRef idx="1">
-            <a:schemeClr val="dk1"/>
-          </a:lnRef>
-          <a:fillRef idx="0">
-            <a:schemeClr val="dk1"/>
-          </a:fillRef>
-          <a:effectRef idx="0">
-            <a:schemeClr val="dk1"/>
-          </a:effectRef>
-          <a:fontRef idx="minor">
-            <a:schemeClr val="tx1"/>
-          </a:fontRef>
-        </p:style>
-      </p:cxnSp>
-      <p:cxnSp>
-        <p:nvCxnSpPr>
-          <p:cNvPr id="39" name="Gerade Verbindung mit Pfeil 38">
-            <a:extLst>
-              <a:ext uri="{FF2B5EF4-FFF2-40B4-BE49-F238E27FC236}">
-                <a16:creationId xmlns:a16="http://schemas.microsoft.com/office/drawing/2014/main" id="{FD35D7EE-D77A-5143-AC0B-0E6D86A353D5}"/>
-              </a:ext>
-            </a:extLst>
-          </p:cNvPr>
-          <p:cNvCxnSpPr>
-            <a:cxnSpLocks/>
-          </p:cNvCxnSpPr>
-          <p:nvPr/>
-        </p:nvCxnSpPr>
-        <p:spPr>
-          <a:xfrm flipH="1">
-            <a:off x="5275851" y="3701715"/>
-            <a:ext cx="982583" cy="0"/>
-          </a:xfrm>
-          <a:prstGeom prst="straightConnector1">
-            <a:avLst/>
-          </a:prstGeom>
-          <a:ln w="76200">
-            <a:solidFill>
-              <a:schemeClr val="tx1"/>
-            </a:solidFill>
-            <a:tailEnd type="triangle"/>
-          </a:ln>
-        </p:spPr>
-        <p:style>
-          <a:lnRef idx="1">
-            <a:schemeClr val="dk1"/>
-          </a:lnRef>
-          <a:fillRef idx="0">
-            <a:schemeClr val="dk1"/>
-          </a:fillRef>
-          <a:effectRef idx="0">
-            <a:schemeClr val="dk1"/>
-          </a:effectRef>
-          <a:fontRef idx="minor">
-            <a:schemeClr val="tx1"/>
-          </a:fontRef>
-        </p:style>
-      </p:cxnSp>
-      <p:cxnSp>
-        <p:nvCxnSpPr>
-          <p:cNvPr id="40" name="Gerade Verbindung mit Pfeil 39">
-            <a:extLst>
-              <a:ext uri="{FF2B5EF4-FFF2-40B4-BE49-F238E27FC236}">
-                <a16:creationId xmlns:a16="http://schemas.microsoft.com/office/drawing/2014/main" id="{4D797117-2098-9446-971B-342D7BCE9B15}"/>
-              </a:ext>
-            </a:extLst>
-          </p:cNvPr>
-          <p:cNvCxnSpPr>
-            <a:cxnSpLocks/>
-          </p:cNvCxnSpPr>
-          <p:nvPr/>
-        </p:nvCxnSpPr>
-        <p:spPr>
-          <a:xfrm flipH="1">
-            <a:off x="7521750" y="3701715"/>
-            <a:ext cx="982583" cy="0"/>
-          </a:xfrm>
-          <a:prstGeom prst="straightConnector1">
-            <a:avLst/>
-          </a:prstGeom>
-          <a:ln w="76200">
-            <a:solidFill>
-              <a:schemeClr val="tx1"/>
-            </a:solidFill>
-            <a:tailEnd type="triangle"/>
-          </a:ln>
-        </p:spPr>
-        <p:style>
-          <a:lnRef idx="1">
-            <a:schemeClr val="dk1"/>
-          </a:lnRef>
-          <a:fillRef idx="0">
-            <a:schemeClr val="dk1"/>
-          </a:fillRef>
-          <a:effectRef idx="0">
-            <a:schemeClr val="dk1"/>
-          </a:effectRef>
-          <a:fontRef idx="minor">
-            <a:schemeClr val="tx1"/>
-          </a:fontRef>
-        </p:style>
-      </p:cxnSp>
-      <p:sp>
-        <p:nvSpPr>
-          <p:cNvPr id="41" name="Textfeld 40">
-            <a:extLst>
-              <a:ext uri="{FF2B5EF4-FFF2-40B4-BE49-F238E27FC236}">
-                <a16:creationId xmlns:a16="http://schemas.microsoft.com/office/drawing/2014/main" id="{D0765741-E841-304A-9EEB-56038A527CA7}"/>
-              </a:ext>
-            </a:extLst>
-          </p:cNvPr>
-          <p:cNvSpPr txBox="1"/>
-          <p:nvPr/>
-        </p:nvSpPr>
-        <p:spPr>
-          <a:xfrm>
-            <a:off x="3362385" y="3765703"/>
-            <a:ext cx="317716" cy="369332"/>
-          </a:xfrm>
-          <a:prstGeom prst="rect">
-            <a:avLst/>
-          </a:prstGeom>
-          <a:noFill/>
-        </p:spPr>
-        <p:txBody>
-          <a:bodyPr wrap="none" rtlCol="0">
-            <a:spAutoFit/>
-          </a:bodyPr>
-          <a:lstStyle/>
-          <a:p>
-            <a:r>
-              <a:rPr lang="de-DE" dirty="0"/>
-              <a:t>A</a:t>
-            </a:r>
-          </a:p>
-        </p:txBody>
-      </p:sp>
-      <p:sp>
-        <p:nvSpPr>
-          <p:cNvPr id="42" name="Textfeld 41">
-            <a:extLst>
-              <a:ext uri="{FF2B5EF4-FFF2-40B4-BE49-F238E27FC236}">
-                <a16:creationId xmlns:a16="http://schemas.microsoft.com/office/drawing/2014/main" id="{46970905-8346-674A-8DAB-18F711210E6F}"/>
-              </a:ext>
-            </a:extLst>
-          </p:cNvPr>
-          <p:cNvSpPr txBox="1"/>
-          <p:nvPr/>
-        </p:nvSpPr>
-        <p:spPr>
-          <a:xfrm>
-            <a:off x="5608284" y="3765703"/>
-            <a:ext cx="317716" cy="369332"/>
-          </a:xfrm>
-          <a:prstGeom prst="rect">
-            <a:avLst/>
-          </a:prstGeom>
-          <a:noFill/>
-        </p:spPr>
-        <p:txBody>
-          <a:bodyPr wrap="none" rtlCol="0">
-            <a:spAutoFit/>
-          </a:bodyPr>
-          <a:lstStyle/>
-          <a:p>
-            <a:r>
-              <a:rPr lang="de-DE" dirty="0"/>
-              <a:t>A</a:t>
-            </a:r>
-          </a:p>
-        </p:txBody>
-      </p:sp>
-      <p:sp>
-        <p:nvSpPr>
-          <p:cNvPr id="43" name="Textfeld 42">
-            <a:extLst>
-              <a:ext uri="{FF2B5EF4-FFF2-40B4-BE49-F238E27FC236}">
-                <a16:creationId xmlns:a16="http://schemas.microsoft.com/office/drawing/2014/main" id="{3CB5FF19-8341-BC47-B32D-398DD1874D2E}"/>
-              </a:ext>
-            </a:extLst>
-          </p:cNvPr>
-          <p:cNvSpPr txBox="1"/>
-          <p:nvPr/>
-        </p:nvSpPr>
-        <p:spPr>
-          <a:xfrm>
-            <a:off x="7854183" y="3765703"/>
-            <a:ext cx="317716" cy="369332"/>
-          </a:xfrm>
-          <a:prstGeom prst="rect">
-            <a:avLst/>
-          </a:prstGeom>
-          <a:noFill/>
-        </p:spPr>
-        <p:txBody>
-          <a:bodyPr wrap="none" rtlCol="0">
-            <a:spAutoFit/>
-          </a:bodyPr>
-          <a:lstStyle/>
-          <a:p>
-            <a:r>
-              <a:rPr lang="de-DE" dirty="0"/>
-              <a:t>A</a:t>
-            </a:r>
-          </a:p>
-        </p:txBody>
-      </p:sp>
-      <p:sp>
-        <p:nvSpPr>
-          <p:cNvPr id="45" name="Textfeld 44">
-            <a:extLst>
-              <a:ext uri="{FF2B5EF4-FFF2-40B4-BE49-F238E27FC236}">
-                <a16:creationId xmlns:a16="http://schemas.microsoft.com/office/drawing/2014/main" id="{6E45FC69-97EA-9346-A8CE-67E2E4F308B0}"/>
-              </a:ext>
-            </a:extLst>
-          </p:cNvPr>
-          <p:cNvSpPr txBox="1"/>
-          <p:nvPr/>
-        </p:nvSpPr>
-        <p:spPr>
-          <a:xfrm>
-            <a:off x="3362385" y="2991672"/>
-            <a:ext cx="309700" cy="369332"/>
-          </a:xfrm>
-          <a:prstGeom prst="rect">
-            <a:avLst/>
-          </a:prstGeom>
-          <a:noFill/>
-        </p:spPr>
-        <p:txBody>
-          <a:bodyPr wrap="none" rtlCol="0">
-            <a:spAutoFit/>
-          </a:bodyPr>
-          <a:lstStyle/>
-          <a:p>
-            <a:r>
-              <a:rPr lang="de-DE" dirty="0"/>
-              <a:t>B</a:t>
-            </a:r>
-          </a:p>
-        </p:txBody>
-      </p:sp>
-      <p:sp>
-        <p:nvSpPr>
-          <p:cNvPr id="46" name="Textfeld 45">
-            <a:extLst>
-              <a:ext uri="{FF2B5EF4-FFF2-40B4-BE49-F238E27FC236}">
-                <a16:creationId xmlns:a16="http://schemas.microsoft.com/office/drawing/2014/main" id="{31DAED9C-9093-414E-A7E9-2D0B116F44D7}"/>
-              </a:ext>
-            </a:extLst>
-          </p:cNvPr>
-          <p:cNvSpPr txBox="1"/>
-          <p:nvPr/>
-        </p:nvSpPr>
-        <p:spPr>
-          <a:xfrm>
-            <a:off x="5608284" y="2987208"/>
-            <a:ext cx="309700" cy="369332"/>
-          </a:xfrm>
-          <a:prstGeom prst="rect">
-            <a:avLst/>
-          </a:prstGeom>
-          <a:noFill/>
-        </p:spPr>
-        <p:txBody>
-          <a:bodyPr wrap="none" rtlCol="0">
-            <a:spAutoFit/>
-          </a:bodyPr>
-          <a:lstStyle/>
-          <a:p>
-            <a:r>
-              <a:rPr lang="de-DE" dirty="0"/>
-              <a:t>B</a:t>
-            </a:r>
-          </a:p>
-        </p:txBody>
-      </p:sp>
-      <p:sp>
-        <p:nvSpPr>
-          <p:cNvPr id="47" name="Textfeld 46">
-            <a:extLst>
-              <a:ext uri="{FF2B5EF4-FFF2-40B4-BE49-F238E27FC236}">
-                <a16:creationId xmlns:a16="http://schemas.microsoft.com/office/drawing/2014/main" id="{CBEADCC4-BF12-0847-BFC8-4B318027D593}"/>
-              </a:ext>
-            </a:extLst>
-          </p:cNvPr>
-          <p:cNvSpPr txBox="1"/>
-          <p:nvPr/>
-        </p:nvSpPr>
-        <p:spPr>
-          <a:xfrm>
-            <a:off x="7854183" y="2982744"/>
-            <a:ext cx="309700" cy="369332"/>
-          </a:xfrm>
-          <a:prstGeom prst="rect">
-            <a:avLst/>
-          </a:prstGeom>
-          <a:noFill/>
-        </p:spPr>
-        <p:txBody>
-          <a:bodyPr wrap="none" rtlCol="0">
-            <a:spAutoFit/>
-          </a:bodyPr>
-          <a:lstStyle/>
-          <a:p>
-            <a:r>
-              <a:rPr lang="de-DE" dirty="0"/>
-              <a:t>B</a:t>
-            </a:r>
-          </a:p>
-        </p:txBody>
-      </p:sp>
-      <p:sp>
-        <p:nvSpPr>
-          <p:cNvPr id="50" name="Oval 49">
-            <a:extLst>
-              <a:ext uri="{FF2B5EF4-FFF2-40B4-BE49-F238E27FC236}">
-                <a16:creationId xmlns:a16="http://schemas.microsoft.com/office/drawing/2014/main" id="{C6077E47-FE8E-114A-BEDA-774580445063}"/>
-              </a:ext>
-            </a:extLst>
-          </p:cNvPr>
-          <p:cNvSpPr/>
-          <p:nvPr/>
-        </p:nvSpPr>
-        <p:spPr>
-          <a:xfrm>
-            <a:off x="2885577" y="513347"/>
-            <a:ext cx="1263316" cy="1251284"/>
-          </a:xfrm>
-          <a:prstGeom prst="ellipse">
-            <a:avLst/>
-          </a:prstGeom>
-          <a:solidFill>
-            <a:schemeClr val="accent2"/>
-          </a:solidFill>
-        </p:spPr>
-        <p:style>
-          <a:lnRef idx="2">
-            <a:schemeClr val="accent1">
-              <a:shade val="50000"/>
-            </a:schemeClr>
-          </a:lnRef>
-          <a:fillRef idx="1">
-            <a:schemeClr val="accent1"/>
-          </a:fillRef>
-          <a:effectRef idx="0">
-            <a:schemeClr val="accent1"/>
-          </a:effectRef>
-          <a:fontRef idx="minor">
-            <a:schemeClr val="lt1"/>
-          </a:fontRef>
-        </p:style>
-        <p:txBody>
-          <a:bodyPr rtlCol="0" anchor="ctr"/>
-          <a:lstStyle/>
-          <a:p>
-            <a:pPr algn="ctr"/>
-            <a:r>
-              <a:rPr lang="de-DE" dirty="0"/>
-              <a:t>Sensor-Fusion</a:t>
-            </a:r>
-          </a:p>
-        </p:txBody>
-      </p:sp>
-      <p:cxnSp>
-        <p:nvCxnSpPr>
-          <p:cNvPr id="51" name="Gerade Verbindung mit Pfeil 50">
-            <a:extLst>
-              <a:ext uri="{FF2B5EF4-FFF2-40B4-BE49-F238E27FC236}">
-                <a16:creationId xmlns:a16="http://schemas.microsoft.com/office/drawing/2014/main" id="{51AFC847-CFE2-4742-B819-DD7768B4427F}"/>
-              </a:ext>
-            </a:extLst>
-          </p:cNvPr>
-          <p:cNvCxnSpPr>
-            <a:cxnSpLocks/>
-            <a:endCxn id="50" idx="3"/>
-          </p:cNvCxnSpPr>
-          <p:nvPr/>
-        </p:nvCxnSpPr>
-        <p:spPr>
-          <a:xfrm flipV="1">
-            <a:off x="2379802" y="1581385"/>
-            <a:ext cx="690783" cy="1374374"/>
-          </a:xfrm>
-          <a:prstGeom prst="straightConnector1">
-            <a:avLst/>
-          </a:prstGeom>
-          <a:ln w="76200">
-            <a:solidFill>
-              <a:schemeClr val="tx1"/>
-            </a:solidFill>
-            <a:tailEnd type="triangle"/>
-          </a:ln>
-        </p:spPr>
-        <p:style>
-          <a:lnRef idx="1">
-            <a:schemeClr val="dk1"/>
-          </a:lnRef>
-          <a:fillRef idx="0">
-            <a:schemeClr val="dk1"/>
-          </a:fillRef>
-          <a:effectRef idx="0">
-            <a:schemeClr val="dk1"/>
-          </a:effectRef>
-          <a:fontRef idx="minor">
-            <a:schemeClr val="tx1"/>
-          </a:fontRef>
-        </p:style>
-      </p:cxnSp>
-      <p:sp>
-        <p:nvSpPr>
-          <p:cNvPr id="53" name="Textfeld 52">
-            <a:extLst>
-              <a:ext uri="{FF2B5EF4-FFF2-40B4-BE49-F238E27FC236}">
-                <a16:creationId xmlns:a16="http://schemas.microsoft.com/office/drawing/2014/main" id="{136E30E7-3CAC-4E42-8C46-06837AAC4E8B}"/>
-              </a:ext>
-            </a:extLst>
-          </p:cNvPr>
-          <p:cNvSpPr txBox="1"/>
-          <p:nvPr/>
-        </p:nvSpPr>
-        <p:spPr>
-          <a:xfrm>
-            <a:off x="2454645" y="2039410"/>
-            <a:ext cx="290464" cy="369332"/>
-          </a:xfrm>
-          <a:prstGeom prst="rect">
-            <a:avLst/>
-          </a:prstGeom>
-          <a:noFill/>
-        </p:spPr>
-        <p:txBody>
-          <a:bodyPr wrap="none" rtlCol="0">
-            <a:spAutoFit/>
-          </a:bodyPr>
-          <a:lstStyle/>
-          <a:p>
-            <a:r>
-              <a:rPr lang="de-DE" dirty="0"/>
-              <a:t>F</a:t>
-            </a:r>
-          </a:p>
-        </p:txBody>
-      </p:sp>
-      <p:cxnSp>
-        <p:nvCxnSpPr>
-          <p:cNvPr id="55" name="Gerade Verbindung mit Pfeil 54">
-            <a:extLst>
-              <a:ext uri="{FF2B5EF4-FFF2-40B4-BE49-F238E27FC236}">
-                <a16:creationId xmlns:a16="http://schemas.microsoft.com/office/drawing/2014/main" id="{EC3B6420-0E1C-2944-AE8A-8A08C74CF062}"/>
-              </a:ext>
-            </a:extLst>
-          </p:cNvPr>
-          <p:cNvCxnSpPr>
-            <a:cxnSpLocks/>
-            <a:endCxn id="50" idx="5"/>
-          </p:cNvCxnSpPr>
-          <p:nvPr/>
-        </p:nvCxnSpPr>
-        <p:spPr>
-          <a:xfrm flipH="1" flipV="1">
-            <a:off x="3963885" y="1581385"/>
-            <a:ext cx="661816" cy="1410288"/>
-          </a:xfrm>
-          <a:prstGeom prst="straightConnector1">
-            <a:avLst/>
-          </a:prstGeom>
-          <a:ln w="76200">
-            <a:solidFill>
-              <a:schemeClr val="tx1"/>
-            </a:solidFill>
-            <a:tailEnd type="triangle"/>
-          </a:ln>
-        </p:spPr>
-        <p:style>
-          <a:lnRef idx="1">
-            <a:schemeClr val="dk1"/>
-          </a:lnRef>
-          <a:fillRef idx="0">
-            <a:schemeClr val="dk1"/>
-          </a:fillRef>
-          <a:effectRef idx="0">
-            <a:schemeClr val="dk1"/>
-          </a:effectRef>
-          <a:fontRef idx="minor">
-            <a:schemeClr val="tx1"/>
-          </a:fontRef>
-        </p:style>
-      </p:cxnSp>
-      <p:sp>
-        <p:nvSpPr>
-          <p:cNvPr id="57" name="Textfeld 56">
-            <a:extLst>
-              <a:ext uri="{FF2B5EF4-FFF2-40B4-BE49-F238E27FC236}">
-                <a16:creationId xmlns:a16="http://schemas.microsoft.com/office/drawing/2014/main" id="{3E893954-2266-5F40-AD3A-84E9CF34772E}"/>
-              </a:ext>
-            </a:extLst>
-          </p:cNvPr>
-          <p:cNvSpPr txBox="1"/>
-          <p:nvPr/>
-        </p:nvSpPr>
-        <p:spPr>
-          <a:xfrm>
-            <a:off x="4248729" y="2032596"/>
-            <a:ext cx="290464" cy="369332"/>
-          </a:xfrm>
-          <a:prstGeom prst="rect">
-            <a:avLst/>
-          </a:prstGeom>
-          <a:noFill/>
-        </p:spPr>
-        <p:txBody>
-          <a:bodyPr wrap="none" rtlCol="0">
-            <a:spAutoFit/>
-          </a:bodyPr>
-          <a:lstStyle/>
-          <a:p>
-            <a:r>
-              <a:rPr lang="de-DE" dirty="0"/>
-              <a:t>F</a:t>
-            </a:r>
-          </a:p>
-        </p:txBody>
-      </p:sp>
-      <p:sp>
-        <p:nvSpPr>
-          <p:cNvPr id="66" name="Gebogener Pfeil 65">
-            <a:extLst>
-              <a:ext uri="{FF2B5EF4-FFF2-40B4-BE49-F238E27FC236}">
-                <a16:creationId xmlns:a16="http://schemas.microsoft.com/office/drawing/2014/main" id="{F56C640A-B7FE-A84C-8478-BEC367382414}"/>
-              </a:ext>
-            </a:extLst>
-          </p:cNvPr>
-          <p:cNvSpPr/>
-          <p:nvPr/>
-        </p:nvSpPr>
-        <p:spPr>
-          <a:xfrm rot="2515012">
-            <a:off x="3434495" y="142033"/>
-            <a:ext cx="1058779" cy="1251284"/>
-          </a:xfrm>
-          <a:prstGeom prst="circularArrow">
-            <a:avLst>
-              <a:gd name="adj1" fmla="val 5089"/>
-              <a:gd name="adj2" fmla="val 812982"/>
-              <a:gd name="adj3" fmla="val 21036457"/>
-              <a:gd name="adj4" fmla="val 10800000"/>
-              <a:gd name="adj5" fmla="val 9271"/>
-            </a:avLst>
-          </a:prstGeom>
-        </p:spPr>
-        <p:style>
-          <a:lnRef idx="2">
-            <a:schemeClr val="dk1">
-              <a:shade val="50000"/>
-            </a:schemeClr>
-          </a:lnRef>
-          <a:fillRef idx="1">
-            <a:schemeClr val="dk1"/>
-          </a:fillRef>
-          <a:effectRef idx="0">
-            <a:schemeClr val="dk1"/>
-          </a:effectRef>
-          <a:fontRef idx="minor">
-            <a:schemeClr val="lt1"/>
-          </a:fontRef>
-        </p:style>
-        <p:txBody>
-          <a:bodyPr rtlCol="0" anchor="ctr"/>
-          <a:lstStyle/>
-          <a:p>
-            <a:pPr algn="ctr"/>
-            <a:endParaRPr lang="de-DE">
-              <a:solidFill>
-                <a:schemeClr val="tx1"/>
-              </a:solidFill>
-            </a:endParaRPr>
-          </a:p>
-        </p:txBody>
-      </p:sp>
     </p:spTree>
     <p:extLst>
       <p:ext uri="{BB962C8B-B14F-4D97-AF65-F5344CB8AC3E}">
